--- a/Exposicions/Presentación 2 Docker y Python 3 Grupo B.pptx
+++ b/Exposicions/Presentación 2 Docker y Python 3 Grupo B.pptx
@@ -7,22 +7,24 @@
   <p:sldIdLst>
     <p:sldId id="256" r:id="rId2"/>
     <p:sldId id="257" r:id="rId3"/>
-    <p:sldId id="262" r:id="rId4"/>
-    <p:sldId id="278" r:id="rId5"/>
-    <p:sldId id="263" r:id="rId6"/>
-    <p:sldId id="264" r:id="rId7"/>
-    <p:sldId id="265" r:id="rId8"/>
-    <p:sldId id="269" r:id="rId9"/>
-    <p:sldId id="266" r:id="rId10"/>
-    <p:sldId id="267" r:id="rId11"/>
-    <p:sldId id="268" r:id="rId12"/>
-    <p:sldId id="270" r:id="rId13"/>
-    <p:sldId id="272" r:id="rId14"/>
-    <p:sldId id="273" r:id="rId15"/>
-    <p:sldId id="274" r:id="rId16"/>
-    <p:sldId id="276" r:id="rId17"/>
-    <p:sldId id="275" r:id="rId18"/>
-    <p:sldId id="277" r:id="rId19"/>
+    <p:sldId id="280" r:id="rId4"/>
+    <p:sldId id="262" r:id="rId5"/>
+    <p:sldId id="278" r:id="rId6"/>
+    <p:sldId id="263" r:id="rId7"/>
+    <p:sldId id="264" r:id="rId8"/>
+    <p:sldId id="265" r:id="rId9"/>
+    <p:sldId id="269" r:id="rId10"/>
+    <p:sldId id="266" r:id="rId11"/>
+    <p:sldId id="267" r:id="rId12"/>
+    <p:sldId id="268" r:id="rId13"/>
+    <p:sldId id="270" r:id="rId14"/>
+    <p:sldId id="272" r:id="rId15"/>
+    <p:sldId id="273" r:id="rId16"/>
+    <p:sldId id="274" r:id="rId17"/>
+    <p:sldId id="276" r:id="rId18"/>
+    <p:sldId id="275" r:id="rId19"/>
+    <p:sldId id="277" r:id="rId20"/>
+    <p:sldId id="279" r:id="rId21"/>
   </p:sldIdLst>
   <p:sldSz cx="12192000" cy="6858000"/>
   <p:notesSz cx="6858000" cy="9144000"/>
@@ -179,7 +181,7 @@
           <a:noFill/>
           <a:extLst>
             <a:ext uri="{909E8E84-426E-40dd-AFC4-6F175D3DCCD1}">
-              <a14:hiddenFill xmlns:a14="http://schemas.microsoft.com/office/drawing/2010/main" xmlns="">
+              <a14:hiddenFill xmlns="" xmlns:a14="http://schemas.microsoft.com/office/drawing/2010/main">
                 <a:solidFill>
                   <a:srgbClr val="FFFFFF"/>
                 </a:solidFill>
@@ -239,7 +241,7 @@
             </a:ln>
             <a:extLst>
               <a:ext uri="{91240B29-F687-4f45-9708-019B960494DF}">
-                <a14:hiddenLine xmlns:a14="http://schemas.microsoft.com/office/drawing/2010/main" xmlns="" w="9525">
+                <a14:hiddenLine xmlns="" xmlns:a14="http://schemas.microsoft.com/office/drawing/2010/main" w="9525">
                   <a:solidFill>
                     <a:srgbClr val="000000"/>
                   </a:solidFill>
@@ -329,7 +331,7 @@
             </a:ln>
             <a:extLst>
               <a:ext uri="{91240B29-F687-4f45-9708-019B960494DF}">
-                <a14:hiddenLine xmlns:a14="http://schemas.microsoft.com/office/drawing/2010/main" xmlns="" w="9525">
+                <a14:hiddenLine xmlns="" xmlns:a14="http://schemas.microsoft.com/office/drawing/2010/main" w="9525">
                   <a:solidFill>
                     <a:srgbClr val="000000"/>
                   </a:solidFill>
@@ -419,7 +421,7 @@
             </a:ln>
             <a:extLst>
               <a:ext uri="{91240B29-F687-4f45-9708-019B960494DF}">
-                <a14:hiddenLine xmlns:a14="http://schemas.microsoft.com/office/drawing/2010/main" xmlns="" w="9525">
+                <a14:hiddenLine xmlns="" xmlns:a14="http://schemas.microsoft.com/office/drawing/2010/main" w="9525">
                   <a:solidFill>
                     <a:srgbClr val="000000"/>
                   </a:solidFill>
@@ -453,7 +455,7 @@
             </a:ln>
             <a:extLst>
               <a:ext uri="{91240B29-F687-4f45-9708-019B960494DF}">
-                <a14:hiddenLine xmlns:a14="http://schemas.microsoft.com/office/drawing/2010/main" xmlns="" w="9525">
+                <a14:hiddenLine xmlns="" xmlns:a14="http://schemas.microsoft.com/office/drawing/2010/main" w="9525">
                   <a:solidFill>
                     <a:srgbClr val="000000"/>
                   </a:solidFill>
@@ -543,7 +545,7 @@
             </a:ln>
             <a:extLst>
               <a:ext uri="{91240B29-F687-4f45-9708-019B960494DF}">
-                <a14:hiddenLine xmlns:a14="http://schemas.microsoft.com/office/drawing/2010/main" xmlns="" w="9525">
+                <a14:hiddenLine xmlns="" xmlns:a14="http://schemas.microsoft.com/office/drawing/2010/main" w="9525">
                   <a:solidFill>
                     <a:srgbClr val="000000"/>
                   </a:solidFill>
@@ -605,7 +607,7 @@
             </a:ln>
             <a:extLst>
               <a:ext uri="{91240B29-F687-4f45-9708-019B960494DF}">
-                <a14:hiddenLine xmlns:a14="http://schemas.microsoft.com/office/drawing/2010/main" xmlns="" w="9525">
+                <a14:hiddenLine xmlns="" xmlns:a14="http://schemas.microsoft.com/office/drawing/2010/main" w="9525">
                   <a:solidFill>
                     <a:srgbClr val="000000"/>
                   </a:solidFill>
@@ -667,7 +669,7 @@
             </a:ln>
             <a:extLst>
               <a:ext uri="{91240B29-F687-4f45-9708-019B960494DF}">
-                <a14:hiddenLine xmlns:a14="http://schemas.microsoft.com/office/drawing/2010/main" xmlns="" w="9525">
+                <a14:hiddenLine xmlns="" xmlns:a14="http://schemas.microsoft.com/office/drawing/2010/main" w="9525">
                   <a:solidFill>
                     <a:srgbClr val="000000"/>
                   </a:solidFill>
@@ -757,7 +759,7 @@
             </a:ln>
             <a:extLst>
               <a:ext uri="{91240B29-F687-4f45-9708-019B960494DF}">
-                <a14:hiddenLine xmlns:a14="http://schemas.microsoft.com/office/drawing/2010/main" xmlns="" w="9525">
+                <a14:hiddenLine xmlns="" xmlns:a14="http://schemas.microsoft.com/office/drawing/2010/main" w="9525">
                   <a:solidFill>
                     <a:srgbClr val="000000"/>
                   </a:solidFill>
@@ -819,7 +821,7 @@
             </a:ln>
             <a:extLst>
               <a:ext uri="{91240B29-F687-4f45-9708-019B960494DF}">
-                <a14:hiddenLine xmlns:a14="http://schemas.microsoft.com/office/drawing/2010/main" xmlns="" w="9525">
+                <a14:hiddenLine xmlns="" xmlns:a14="http://schemas.microsoft.com/office/drawing/2010/main" w="9525">
                   <a:solidFill>
                     <a:srgbClr val="000000"/>
                   </a:solidFill>
@@ -881,7 +883,7 @@
             </a:ln>
             <a:extLst>
               <a:ext uri="{91240B29-F687-4f45-9708-019B960494DF}">
-                <a14:hiddenLine xmlns:a14="http://schemas.microsoft.com/office/drawing/2010/main" xmlns="" w="9525">
+                <a14:hiddenLine xmlns="" xmlns:a14="http://schemas.microsoft.com/office/drawing/2010/main" w="9525">
                   <a:solidFill>
                     <a:srgbClr val="000000"/>
                   </a:solidFill>
@@ -971,7 +973,7 @@
             </a:ln>
             <a:extLst>
               <a:ext uri="{91240B29-F687-4f45-9708-019B960494DF}">
-                <a14:hiddenLine xmlns:a14="http://schemas.microsoft.com/office/drawing/2010/main" xmlns="" w="9525">
+                <a14:hiddenLine xmlns="" xmlns:a14="http://schemas.microsoft.com/office/drawing/2010/main" w="9525">
                   <a:solidFill>
                     <a:srgbClr val="000000"/>
                   </a:solidFill>
@@ -1061,7 +1063,7 @@
             </a:ln>
             <a:extLst>
               <a:ext uri="{91240B29-F687-4f45-9708-019B960494DF}">
-                <a14:hiddenLine xmlns:a14="http://schemas.microsoft.com/office/drawing/2010/main" xmlns="" w="9525">
+                <a14:hiddenLine xmlns="" xmlns:a14="http://schemas.microsoft.com/office/drawing/2010/main" w="9525">
                   <a:solidFill>
                     <a:srgbClr val="000000"/>
                   </a:solidFill>
@@ -1123,7 +1125,7 @@
             </a:ln>
             <a:extLst>
               <a:ext uri="{91240B29-F687-4f45-9708-019B960494DF}">
-                <a14:hiddenLine xmlns:a14="http://schemas.microsoft.com/office/drawing/2010/main" xmlns="" w="9525">
+                <a14:hiddenLine xmlns="" xmlns:a14="http://schemas.microsoft.com/office/drawing/2010/main" w="9525">
                   <a:solidFill>
                     <a:srgbClr val="000000"/>
                   </a:solidFill>
@@ -1233,7 +1235,7 @@
             </a:ln>
             <a:extLst>
               <a:ext uri="{91240B29-F687-4f45-9708-019B960494DF}">
-                <a14:hiddenLine xmlns:a14="http://schemas.microsoft.com/office/drawing/2010/main" xmlns="" w="9525">
+                <a14:hiddenLine xmlns="" xmlns:a14="http://schemas.microsoft.com/office/drawing/2010/main" w="9525">
                   <a:solidFill>
                     <a:srgbClr val="000000"/>
                   </a:solidFill>
@@ -1295,7 +1297,7 @@
             </a:ln>
             <a:extLst>
               <a:ext uri="{91240B29-F687-4f45-9708-019B960494DF}">
-                <a14:hiddenLine xmlns:a14="http://schemas.microsoft.com/office/drawing/2010/main" xmlns="" w="9525">
+                <a14:hiddenLine xmlns="" xmlns:a14="http://schemas.microsoft.com/office/drawing/2010/main" w="9525">
                   <a:solidFill>
                     <a:srgbClr val="000000"/>
                   </a:solidFill>
@@ -1385,7 +1387,7 @@
             </a:ln>
             <a:extLst>
               <a:ext uri="{91240B29-F687-4f45-9708-019B960494DF}">
-                <a14:hiddenLine xmlns:a14="http://schemas.microsoft.com/office/drawing/2010/main" xmlns="" w="9525">
+                <a14:hiddenLine xmlns="" xmlns:a14="http://schemas.microsoft.com/office/drawing/2010/main" w="9525">
                   <a:solidFill>
                     <a:srgbClr val="000000"/>
                   </a:solidFill>
@@ -1475,7 +1477,7 @@
             </a:ln>
             <a:extLst>
               <a:ext uri="{91240B29-F687-4f45-9708-019B960494DF}">
-                <a14:hiddenLine xmlns:a14="http://schemas.microsoft.com/office/drawing/2010/main" xmlns="" w="9525">
+                <a14:hiddenLine xmlns="" xmlns:a14="http://schemas.microsoft.com/office/drawing/2010/main" w="9525">
                   <a:solidFill>
                     <a:srgbClr val="000000"/>
                   </a:solidFill>
@@ -1537,7 +1539,7 @@
             </a:ln>
             <a:extLst>
               <a:ext uri="{91240B29-F687-4f45-9708-019B960494DF}">
-                <a14:hiddenLine xmlns:a14="http://schemas.microsoft.com/office/drawing/2010/main" xmlns="" w="9525">
+                <a14:hiddenLine xmlns="" xmlns:a14="http://schemas.microsoft.com/office/drawing/2010/main" w="9525">
                   <a:solidFill>
                     <a:srgbClr val="000000"/>
                   </a:solidFill>
@@ -1627,7 +1629,7 @@
             </a:ln>
             <a:extLst>
               <a:ext uri="{91240B29-F687-4f45-9708-019B960494DF}">
-                <a14:hiddenLine xmlns:a14="http://schemas.microsoft.com/office/drawing/2010/main" xmlns="" w="9525">
+                <a14:hiddenLine xmlns="" xmlns:a14="http://schemas.microsoft.com/office/drawing/2010/main" w="9525">
                   <a:solidFill>
                     <a:srgbClr val="000000"/>
                   </a:solidFill>
@@ -1717,7 +1719,7 @@
             </a:ln>
             <a:extLst>
               <a:ext uri="{91240B29-F687-4f45-9708-019B960494DF}">
-                <a14:hiddenLine xmlns:a14="http://schemas.microsoft.com/office/drawing/2010/main" xmlns="" w="9525">
+                <a14:hiddenLine xmlns="" xmlns:a14="http://schemas.microsoft.com/office/drawing/2010/main" w="9525">
                   <a:solidFill>
                     <a:srgbClr val="000000"/>
                   </a:solidFill>
@@ -1773,7 +1775,7 @@
             </a:ln>
             <a:extLst>
               <a:ext uri="{91240B29-F687-4f45-9708-019B960494DF}">
-                <a14:hiddenLine xmlns:a14="http://schemas.microsoft.com/office/drawing/2010/main" xmlns="" w="9525">
+                <a14:hiddenLine xmlns="" xmlns:a14="http://schemas.microsoft.com/office/drawing/2010/main" w="9525">
                   <a:solidFill>
                     <a:srgbClr val="000000"/>
                   </a:solidFill>
@@ -1863,7 +1865,7 @@
             </a:ln>
             <a:extLst>
               <a:ext uri="{91240B29-F687-4f45-9708-019B960494DF}">
-                <a14:hiddenLine xmlns:a14="http://schemas.microsoft.com/office/drawing/2010/main" xmlns="" w="9525">
+                <a14:hiddenLine xmlns="" xmlns:a14="http://schemas.microsoft.com/office/drawing/2010/main" w="9525">
                   <a:solidFill>
                     <a:srgbClr val="000000"/>
                   </a:solidFill>
@@ -1919,7 +1921,7 @@
             </a:ln>
             <a:extLst>
               <a:ext uri="{91240B29-F687-4f45-9708-019B960494DF}">
-                <a14:hiddenLine xmlns:a14="http://schemas.microsoft.com/office/drawing/2010/main" xmlns="" w="9525">
+                <a14:hiddenLine xmlns="" xmlns:a14="http://schemas.microsoft.com/office/drawing/2010/main" w="9525">
                   <a:solidFill>
                     <a:srgbClr val="000000"/>
                   </a:solidFill>
@@ -2009,7 +2011,7 @@
             </a:ln>
             <a:extLst>
               <a:ext uri="{91240B29-F687-4f45-9708-019B960494DF}">
-                <a14:hiddenLine xmlns:a14="http://schemas.microsoft.com/office/drawing/2010/main" xmlns="" w="9525">
+                <a14:hiddenLine xmlns="" xmlns:a14="http://schemas.microsoft.com/office/drawing/2010/main" w="9525">
                   <a:solidFill>
                     <a:srgbClr val="000000"/>
                   </a:solidFill>
@@ -2077,7 +2079,7 @@
             </a:ln>
             <a:extLst>
               <a:ext uri="{91240B29-F687-4f45-9708-019B960494DF}">
-                <a14:hiddenLine xmlns:a14="http://schemas.microsoft.com/office/drawing/2010/main" xmlns="" w="9525">
+                <a14:hiddenLine xmlns="" xmlns:a14="http://schemas.microsoft.com/office/drawing/2010/main" w="9525">
                   <a:solidFill>
                     <a:srgbClr val="000000"/>
                   </a:solidFill>
@@ -2167,7 +2169,7 @@
             </a:ln>
             <a:extLst>
               <a:ext uri="{91240B29-F687-4f45-9708-019B960494DF}">
-                <a14:hiddenLine xmlns:a14="http://schemas.microsoft.com/office/drawing/2010/main" xmlns="" w="9525">
+                <a14:hiddenLine xmlns="" xmlns:a14="http://schemas.microsoft.com/office/drawing/2010/main" w="9525">
                   <a:solidFill>
                     <a:srgbClr val="000000"/>
                   </a:solidFill>
@@ -2235,7 +2237,7 @@
             </a:ln>
             <a:extLst>
               <a:ext uri="{91240B29-F687-4f45-9708-019B960494DF}">
-                <a14:hiddenLine xmlns:a14="http://schemas.microsoft.com/office/drawing/2010/main" xmlns="" w="9525">
+                <a14:hiddenLine xmlns="" xmlns:a14="http://schemas.microsoft.com/office/drawing/2010/main" w="9525">
                   <a:solidFill>
                     <a:srgbClr val="000000"/>
                   </a:solidFill>
@@ -2325,7 +2327,7 @@
             </a:ln>
             <a:extLst>
               <a:ext uri="{91240B29-F687-4f45-9708-019B960494DF}">
-                <a14:hiddenLine xmlns:a14="http://schemas.microsoft.com/office/drawing/2010/main" xmlns="" w="9525">
+                <a14:hiddenLine xmlns="" xmlns:a14="http://schemas.microsoft.com/office/drawing/2010/main" w="9525">
                   <a:solidFill>
                     <a:srgbClr val="000000"/>
                   </a:solidFill>
@@ -2359,7 +2361,7 @@
             </a:ln>
             <a:extLst>
               <a:ext uri="{91240B29-F687-4f45-9708-019B960494DF}">
-                <a14:hiddenLine xmlns:a14="http://schemas.microsoft.com/office/drawing/2010/main" xmlns="" w="9525">
+                <a14:hiddenLine xmlns="" xmlns:a14="http://schemas.microsoft.com/office/drawing/2010/main" w="9525">
                   <a:solidFill>
                     <a:srgbClr val="000000"/>
                   </a:solidFill>
@@ -2449,7 +2451,7 @@
             </a:ln>
             <a:extLst>
               <a:ext uri="{91240B29-F687-4f45-9708-019B960494DF}">
-                <a14:hiddenLine xmlns:a14="http://schemas.microsoft.com/office/drawing/2010/main" xmlns="" w="9525">
+                <a14:hiddenLine xmlns="" xmlns:a14="http://schemas.microsoft.com/office/drawing/2010/main" w="9525">
                   <a:solidFill>
                     <a:srgbClr val="000000"/>
                   </a:solidFill>
@@ -2511,7 +2513,7 @@
             </a:ln>
             <a:extLst>
               <a:ext uri="{91240B29-F687-4f45-9708-019B960494DF}">
-                <a14:hiddenLine xmlns:a14="http://schemas.microsoft.com/office/drawing/2010/main" xmlns="" w="9525">
+                <a14:hiddenLine xmlns="" xmlns:a14="http://schemas.microsoft.com/office/drawing/2010/main" w="9525">
                   <a:solidFill>
                     <a:srgbClr val="000000"/>
                   </a:solidFill>
@@ -2573,7 +2575,7 @@
             </a:ln>
             <a:extLst>
               <a:ext uri="{91240B29-F687-4f45-9708-019B960494DF}">
-                <a14:hiddenLine xmlns:a14="http://schemas.microsoft.com/office/drawing/2010/main" xmlns="" w="9525">
+                <a14:hiddenLine xmlns="" xmlns:a14="http://schemas.microsoft.com/office/drawing/2010/main" w="9525">
                   <a:solidFill>
                     <a:srgbClr val="000000"/>
                   </a:solidFill>
@@ -2663,7 +2665,7 @@
             </a:ln>
             <a:extLst>
               <a:ext uri="{91240B29-F687-4f45-9708-019B960494DF}">
-                <a14:hiddenLine xmlns:a14="http://schemas.microsoft.com/office/drawing/2010/main" xmlns="" w="9525">
+                <a14:hiddenLine xmlns="" xmlns:a14="http://schemas.microsoft.com/office/drawing/2010/main" w="9525">
                   <a:solidFill>
                     <a:srgbClr val="000000"/>
                   </a:solidFill>
@@ -2731,7 +2733,7 @@
             </a:ln>
             <a:extLst>
               <a:ext uri="{91240B29-F687-4f45-9708-019B960494DF}">
-                <a14:hiddenLine xmlns:a14="http://schemas.microsoft.com/office/drawing/2010/main" xmlns="" w="9525">
+                <a14:hiddenLine xmlns="" xmlns:a14="http://schemas.microsoft.com/office/drawing/2010/main" w="9525">
                   <a:solidFill>
                     <a:srgbClr val="000000"/>
                   </a:solidFill>
@@ -2793,7 +2795,7 @@
             </a:ln>
             <a:extLst>
               <a:ext uri="{91240B29-F687-4f45-9708-019B960494DF}">
-                <a14:hiddenLine xmlns:a14="http://schemas.microsoft.com/office/drawing/2010/main" xmlns="" w="9525">
+                <a14:hiddenLine xmlns="" xmlns:a14="http://schemas.microsoft.com/office/drawing/2010/main" w="9525">
                   <a:solidFill>
                     <a:srgbClr val="000000"/>
                   </a:solidFill>
@@ -2883,7 +2885,7 @@
             </a:ln>
             <a:extLst>
               <a:ext uri="{91240B29-F687-4f45-9708-019B960494DF}">
-                <a14:hiddenLine xmlns:a14="http://schemas.microsoft.com/office/drawing/2010/main" xmlns="" w="9525">
+                <a14:hiddenLine xmlns="" xmlns:a14="http://schemas.microsoft.com/office/drawing/2010/main" w="9525">
                   <a:solidFill>
                     <a:srgbClr val="000000"/>
                   </a:solidFill>
@@ -2945,7 +2947,7 @@
             </a:ln>
             <a:extLst>
               <a:ext uri="{91240B29-F687-4f45-9708-019B960494DF}">
-                <a14:hiddenLine xmlns:a14="http://schemas.microsoft.com/office/drawing/2010/main" xmlns="" w="9525">
+                <a14:hiddenLine xmlns="" xmlns:a14="http://schemas.microsoft.com/office/drawing/2010/main" w="9525">
                   <a:solidFill>
                     <a:srgbClr val="000000"/>
                   </a:solidFill>
@@ -3035,7 +3037,7 @@
             </a:ln>
             <a:extLst>
               <a:ext uri="{91240B29-F687-4f45-9708-019B960494DF}">
-                <a14:hiddenLine xmlns:a14="http://schemas.microsoft.com/office/drawing/2010/main" xmlns="" w="9525">
+                <a14:hiddenLine xmlns="" xmlns:a14="http://schemas.microsoft.com/office/drawing/2010/main" w="9525">
                   <a:solidFill>
                     <a:srgbClr val="000000"/>
                   </a:solidFill>
@@ -3097,7 +3099,7 @@
             </a:ln>
             <a:extLst>
               <a:ext uri="{91240B29-F687-4f45-9708-019B960494DF}">
-                <a14:hiddenLine xmlns:a14="http://schemas.microsoft.com/office/drawing/2010/main" xmlns="" w="9525">
+                <a14:hiddenLine xmlns="" xmlns:a14="http://schemas.microsoft.com/office/drawing/2010/main" w="9525">
                   <a:solidFill>
                     <a:srgbClr val="000000"/>
                   </a:solidFill>
@@ -3187,7 +3189,7 @@
             </a:ln>
             <a:extLst>
               <a:ext uri="{91240B29-F687-4f45-9708-019B960494DF}">
-                <a14:hiddenLine xmlns:a14="http://schemas.microsoft.com/office/drawing/2010/main" xmlns="" w="9525">
+                <a14:hiddenLine xmlns="" xmlns:a14="http://schemas.microsoft.com/office/drawing/2010/main" w="9525">
                   <a:solidFill>
                     <a:srgbClr val="000000"/>
                   </a:solidFill>
@@ -3221,7 +3223,7 @@
             </a:ln>
             <a:extLst>
               <a:ext uri="{91240B29-F687-4f45-9708-019B960494DF}">
-                <a14:hiddenLine xmlns:a14="http://schemas.microsoft.com/office/drawing/2010/main" xmlns="" w="9525">
+                <a14:hiddenLine xmlns="" xmlns:a14="http://schemas.microsoft.com/office/drawing/2010/main" w="9525">
                   <a:solidFill>
                     <a:srgbClr val="000000"/>
                   </a:solidFill>
@@ -3286,7 +3288,7 @@
             </a:ln>
             <a:extLst>
               <a:ext uri="{91240B29-F687-4f45-9708-019B960494DF}">
-                <a14:hiddenLine xmlns:a14="http://schemas.microsoft.com/office/drawing/2010/main" xmlns="" w="9525">
+                <a14:hiddenLine xmlns="" xmlns:a14="http://schemas.microsoft.com/office/drawing/2010/main" w="9525">
                   <a:solidFill>
                     <a:srgbClr val="000000"/>
                   </a:solidFill>
@@ -3376,7 +3378,7 @@
             </a:ln>
             <a:extLst>
               <a:ext uri="{91240B29-F687-4f45-9708-019B960494DF}">
-                <a14:hiddenLine xmlns:a14="http://schemas.microsoft.com/office/drawing/2010/main" xmlns="" w="9525">
+                <a14:hiddenLine xmlns="" xmlns:a14="http://schemas.microsoft.com/office/drawing/2010/main" w="9525">
                   <a:solidFill>
                     <a:srgbClr val="000000"/>
                   </a:solidFill>
@@ -3438,7 +3440,7 @@
             </a:ln>
             <a:extLst>
               <a:ext uri="{91240B29-F687-4f45-9708-019B960494DF}">
-                <a14:hiddenLine xmlns:a14="http://schemas.microsoft.com/office/drawing/2010/main" xmlns="" w="9525">
+                <a14:hiddenLine xmlns="" xmlns:a14="http://schemas.microsoft.com/office/drawing/2010/main" w="9525">
                   <a:solidFill>
                     <a:srgbClr val="000000"/>
                   </a:solidFill>
@@ -3528,7 +3530,7 @@
             </a:ln>
             <a:extLst>
               <a:ext uri="{91240B29-F687-4f45-9708-019B960494DF}">
-                <a14:hiddenLine xmlns:a14="http://schemas.microsoft.com/office/drawing/2010/main" xmlns="" w="9525">
+                <a14:hiddenLine xmlns="" xmlns:a14="http://schemas.microsoft.com/office/drawing/2010/main" w="9525">
                   <a:solidFill>
                     <a:srgbClr val="000000"/>
                   </a:solidFill>
@@ -3618,7 +3620,7 @@
             </a:ln>
             <a:extLst>
               <a:ext uri="{91240B29-F687-4f45-9708-019B960494DF}">
-                <a14:hiddenLine xmlns:a14="http://schemas.microsoft.com/office/drawing/2010/main" xmlns="" w="9525">
+                <a14:hiddenLine xmlns="" xmlns:a14="http://schemas.microsoft.com/office/drawing/2010/main" w="9525">
                   <a:solidFill>
                     <a:srgbClr val="000000"/>
                   </a:solidFill>
@@ -3683,7 +3685,7 @@
             </a:ln>
             <a:extLst>
               <a:ext uri="{91240B29-F687-4f45-9708-019B960494DF}">
-                <a14:hiddenLine xmlns:a14="http://schemas.microsoft.com/office/drawing/2010/main" xmlns="" w="9525">
+                <a14:hiddenLine xmlns="" xmlns:a14="http://schemas.microsoft.com/office/drawing/2010/main" w="9525">
                   <a:solidFill>
                     <a:srgbClr val="000000"/>
                   </a:solidFill>
@@ -3745,7 +3747,7 @@
             </a:ln>
             <a:extLst>
               <a:ext uri="{91240B29-F687-4f45-9708-019B960494DF}">
-                <a14:hiddenLine xmlns:a14="http://schemas.microsoft.com/office/drawing/2010/main" xmlns="" w="9525">
+                <a14:hiddenLine xmlns="" xmlns:a14="http://schemas.microsoft.com/office/drawing/2010/main" w="9525">
                   <a:solidFill>
                     <a:srgbClr val="000000"/>
                   </a:solidFill>
@@ -3835,7 +3837,7 @@
             </a:ln>
             <a:extLst>
               <a:ext uri="{91240B29-F687-4f45-9708-019B960494DF}">
-                <a14:hiddenLine xmlns:a14="http://schemas.microsoft.com/office/drawing/2010/main" xmlns="" w="9525">
+                <a14:hiddenLine xmlns="" xmlns:a14="http://schemas.microsoft.com/office/drawing/2010/main" w="9525">
                   <a:solidFill>
                     <a:srgbClr val="000000"/>
                   </a:solidFill>
@@ -3925,7 +3927,7 @@
             </a:ln>
             <a:extLst>
               <a:ext uri="{91240B29-F687-4f45-9708-019B960494DF}">
-                <a14:hiddenLine xmlns:a14="http://schemas.microsoft.com/office/drawing/2010/main" xmlns="" w="9525">
+                <a14:hiddenLine xmlns="" xmlns:a14="http://schemas.microsoft.com/office/drawing/2010/main" w="9525">
                   <a:solidFill>
                     <a:srgbClr val="000000"/>
                   </a:solidFill>
@@ -3987,7 +3989,7 @@
             </a:ln>
             <a:extLst>
               <a:ext uri="{91240B29-F687-4f45-9708-019B960494DF}">
-                <a14:hiddenLine xmlns:a14="http://schemas.microsoft.com/office/drawing/2010/main" xmlns="" w="9525">
+                <a14:hiddenLine xmlns="" xmlns:a14="http://schemas.microsoft.com/office/drawing/2010/main" w="9525">
                   <a:solidFill>
                     <a:srgbClr val="000000"/>
                   </a:solidFill>
@@ -4107,7 +4109,7 @@
             </a:ln>
             <a:extLst>
               <a:ext uri="{91240B29-F687-4f45-9708-019B960494DF}">
-                <a14:hiddenLine xmlns:a14="http://schemas.microsoft.com/office/drawing/2010/main" xmlns="" w="9525">
+                <a14:hiddenLine xmlns="" xmlns:a14="http://schemas.microsoft.com/office/drawing/2010/main" w="9525">
                   <a:solidFill>
                     <a:srgbClr val="000000"/>
                   </a:solidFill>
@@ -4175,7 +4177,7 @@
             </a:ln>
             <a:extLst>
               <a:ext uri="{91240B29-F687-4f45-9708-019B960494DF}">
-                <a14:hiddenLine xmlns:a14="http://schemas.microsoft.com/office/drawing/2010/main" xmlns="" w="9525">
+                <a14:hiddenLine xmlns="" xmlns:a14="http://schemas.microsoft.com/office/drawing/2010/main" w="9525">
                   <a:solidFill>
                     <a:srgbClr val="000000"/>
                   </a:solidFill>
@@ -4265,7 +4267,7 @@
             </a:ln>
             <a:extLst>
               <a:ext uri="{91240B29-F687-4f45-9708-019B960494DF}">
-                <a14:hiddenLine xmlns:a14="http://schemas.microsoft.com/office/drawing/2010/main" xmlns="" w="9525">
+                <a14:hiddenLine xmlns="" xmlns:a14="http://schemas.microsoft.com/office/drawing/2010/main" w="9525">
                   <a:solidFill>
                     <a:srgbClr val="000000"/>
                   </a:solidFill>
@@ -4405,7 +4407,7 @@
           <a:p>
             <a:fld id="{9606D4EC-87A2-4A68-95F6-347925EF405A}" type="datetimeFigureOut">
               <a:rPr lang="es-ES" smtClean="0"/>
-              <a:t>05/10/2021</a:t>
+              <a:t>06/10/2021</a:t>
             </a:fld>
             <a:endParaRPr lang="es-ES"/>
           </a:p>
@@ -4672,7 +4674,7 @@
           <a:p>
             <a:fld id="{9606D4EC-87A2-4A68-95F6-347925EF405A}" type="datetimeFigureOut">
               <a:rPr lang="es-ES" smtClean="0"/>
-              <a:t>05/10/2021</a:t>
+              <a:t>06/10/2021</a:t>
             </a:fld>
             <a:endParaRPr lang="es-ES"/>
           </a:p>
@@ -4868,7 +4870,7 @@
           <a:p>
             <a:fld id="{9606D4EC-87A2-4A68-95F6-347925EF405A}" type="datetimeFigureOut">
               <a:rPr lang="es-ES" smtClean="0"/>
-              <a:t>05/10/2021</a:t>
+              <a:t>06/10/2021</a:t>
             </a:fld>
             <a:endParaRPr lang="es-ES"/>
           </a:p>
@@ -5131,7 +5133,7 @@
           <a:p>
             <a:fld id="{9606D4EC-87A2-4A68-95F6-347925EF405A}" type="datetimeFigureOut">
               <a:rPr lang="es-ES" smtClean="0"/>
-              <a:t>05/10/2021</a:t>
+              <a:t>06/10/2021</a:t>
             </a:fld>
             <a:endParaRPr lang="es-ES"/>
           </a:p>
@@ -5565,7 +5567,7 @@
           <a:p>
             <a:fld id="{9606D4EC-87A2-4A68-95F6-347925EF405A}" type="datetimeFigureOut">
               <a:rPr lang="es-ES" smtClean="0"/>
-              <a:t>05/10/2021</a:t>
+              <a:t>06/10/2021</a:t>
             </a:fld>
             <a:endParaRPr lang="es-ES"/>
           </a:p>
@@ -6111,7 +6113,7 @@
           <a:p>
             <a:fld id="{9606D4EC-87A2-4A68-95F6-347925EF405A}" type="datetimeFigureOut">
               <a:rPr lang="es-ES" smtClean="0"/>
-              <a:t>05/10/2021</a:t>
+              <a:t>06/10/2021</a:t>
             </a:fld>
             <a:endParaRPr lang="es-ES"/>
           </a:p>
@@ -6831,7 +6833,7 @@
           <a:p>
             <a:fld id="{9606D4EC-87A2-4A68-95F6-347925EF405A}" type="datetimeFigureOut">
               <a:rPr lang="es-ES" smtClean="0"/>
-              <a:t>05/10/2021</a:t>
+              <a:t>06/10/2021</a:t>
             </a:fld>
             <a:endParaRPr lang="es-ES"/>
           </a:p>
@@ -7001,7 +7003,7 @@
           <a:p>
             <a:fld id="{9606D4EC-87A2-4A68-95F6-347925EF405A}" type="datetimeFigureOut">
               <a:rPr lang="es-ES" smtClean="0"/>
-              <a:t>05/10/2021</a:t>
+              <a:t>06/10/2021</a:t>
             </a:fld>
             <a:endParaRPr lang="es-ES"/>
           </a:p>
@@ -7181,7 +7183,7 @@
           <a:p>
             <a:fld id="{9606D4EC-87A2-4A68-95F6-347925EF405A}" type="datetimeFigureOut">
               <a:rPr lang="es-ES" smtClean="0"/>
-              <a:t>05/10/2021</a:t>
+              <a:t>06/10/2021</a:t>
             </a:fld>
             <a:endParaRPr lang="es-ES"/>
           </a:p>
@@ -7351,7 +7353,7 @@
           <a:p>
             <a:fld id="{9606D4EC-87A2-4A68-95F6-347925EF405A}" type="datetimeFigureOut">
               <a:rPr lang="es-ES" smtClean="0"/>
-              <a:t>05/10/2021</a:t>
+              <a:t>06/10/2021</a:t>
             </a:fld>
             <a:endParaRPr lang="es-ES"/>
           </a:p>
@@ -7601,7 +7603,7 @@
           <a:p>
             <a:fld id="{9606D4EC-87A2-4A68-95F6-347925EF405A}" type="datetimeFigureOut">
               <a:rPr lang="es-ES" smtClean="0"/>
-              <a:t>05/10/2021</a:t>
+              <a:t>06/10/2021</a:t>
             </a:fld>
             <a:endParaRPr lang="es-ES"/>
           </a:p>
@@ -7833,7 +7835,7 @@
           <a:p>
             <a:fld id="{9606D4EC-87A2-4A68-95F6-347925EF405A}" type="datetimeFigureOut">
               <a:rPr lang="es-ES" smtClean="0"/>
-              <a:t>05/10/2021</a:t>
+              <a:t>06/10/2021</a:t>
             </a:fld>
             <a:endParaRPr lang="es-ES"/>
           </a:p>
@@ -8214,7 +8216,7 @@
           <a:p>
             <a:fld id="{9606D4EC-87A2-4A68-95F6-347925EF405A}" type="datetimeFigureOut">
               <a:rPr lang="es-ES" smtClean="0"/>
-              <a:t>05/10/2021</a:t>
+              <a:t>06/10/2021</a:t>
             </a:fld>
             <a:endParaRPr lang="es-ES"/>
           </a:p>
@@ -8332,7 +8334,7 @@
           <a:p>
             <a:fld id="{9606D4EC-87A2-4A68-95F6-347925EF405A}" type="datetimeFigureOut">
               <a:rPr lang="es-ES" smtClean="0"/>
-              <a:t>05/10/2021</a:t>
+              <a:t>06/10/2021</a:t>
             </a:fld>
             <a:endParaRPr lang="es-ES"/>
           </a:p>
@@ -8427,7 +8429,7 @@
           <a:p>
             <a:fld id="{9606D4EC-87A2-4A68-95F6-347925EF405A}" type="datetimeFigureOut">
               <a:rPr lang="es-ES" smtClean="0"/>
-              <a:t>05/10/2021</a:t>
+              <a:t>06/10/2021</a:t>
             </a:fld>
             <a:endParaRPr lang="es-ES"/>
           </a:p>
@@ -8676,7 +8678,7 @@
           <a:p>
             <a:fld id="{9606D4EC-87A2-4A68-95F6-347925EF405A}" type="datetimeFigureOut">
               <a:rPr lang="es-ES" smtClean="0"/>
-              <a:t>05/10/2021</a:t>
+              <a:t>06/10/2021</a:t>
             </a:fld>
             <a:endParaRPr lang="es-ES"/>
           </a:p>
@@ -8956,7 +8958,7 @@
           <a:p>
             <a:fld id="{9606D4EC-87A2-4A68-95F6-347925EF405A}" type="datetimeFigureOut">
               <a:rPr lang="es-ES" smtClean="0"/>
-              <a:t>05/10/2021</a:t>
+              <a:t>06/10/2021</a:t>
             </a:fld>
             <a:endParaRPr lang="es-ES"/>
           </a:p>
@@ -9072,7 +9074,7 @@
           <a:noFill/>
           <a:extLst>
             <a:ext uri="{909E8E84-426E-40dd-AFC4-6F175D3DCCD1}">
-              <a14:hiddenFill xmlns:a14="http://schemas.microsoft.com/office/drawing/2010/main" xmlns="">
+              <a14:hiddenFill xmlns="" xmlns:a14="http://schemas.microsoft.com/office/drawing/2010/main">
                 <a:solidFill>
                   <a:srgbClr val="FFFFFF"/>
                 </a:solidFill>
@@ -9146,7 +9148,7 @@
               </a:ln>
               <a:extLst>
                 <a:ext uri="{91240B29-F687-4f45-9708-019B960494DF}">
-                  <a14:hiddenLine xmlns:a14="http://schemas.microsoft.com/office/drawing/2010/main" xmlns="" w="9525">
+                  <a14:hiddenLine xmlns="" xmlns:a14="http://schemas.microsoft.com/office/drawing/2010/main" w="9525">
                     <a:solidFill>
                       <a:srgbClr val="000000"/>
                     </a:solidFill>
@@ -9236,7 +9238,7 @@
               </a:ln>
               <a:extLst>
                 <a:ext uri="{91240B29-F687-4f45-9708-019B960494DF}">
-                  <a14:hiddenLine xmlns:a14="http://schemas.microsoft.com/office/drawing/2010/main" xmlns="" w="9525">
+                  <a14:hiddenLine xmlns="" xmlns:a14="http://schemas.microsoft.com/office/drawing/2010/main" w="9525">
                     <a:solidFill>
                       <a:srgbClr val="000000"/>
                     </a:solidFill>
@@ -9326,7 +9328,7 @@
               </a:ln>
               <a:extLst>
                 <a:ext uri="{91240B29-F687-4f45-9708-019B960494DF}">
-                  <a14:hiddenLine xmlns:a14="http://schemas.microsoft.com/office/drawing/2010/main" xmlns="" w="9525">
+                  <a14:hiddenLine xmlns="" xmlns:a14="http://schemas.microsoft.com/office/drawing/2010/main" w="9525">
                     <a:solidFill>
                       <a:srgbClr val="000000"/>
                     </a:solidFill>
@@ -9388,7 +9390,7 @@
               </a:ln>
               <a:extLst>
                 <a:ext uri="{91240B29-F687-4f45-9708-019B960494DF}">
-                  <a14:hiddenLine xmlns:a14="http://schemas.microsoft.com/office/drawing/2010/main" xmlns="" w="9525">
+                  <a14:hiddenLine xmlns="" xmlns:a14="http://schemas.microsoft.com/office/drawing/2010/main" w="9525">
                     <a:solidFill>
                       <a:srgbClr val="000000"/>
                     </a:solidFill>
@@ -9478,7 +9480,7 @@
               </a:ln>
               <a:extLst>
                 <a:ext uri="{91240B29-F687-4f45-9708-019B960494DF}">
-                  <a14:hiddenLine xmlns:a14="http://schemas.microsoft.com/office/drawing/2010/main" xmlns="" w="9525">
+                  <a14:hiddenLine xmlns="" xmlns:a14="http://schemas.microsoft.com/office/drawing/2010/main" w="9525">
                     <a:solidFill>
                       <a:srgbClr val="000000"/>
                     </a:solidFill>
@@ -9540,7 +9542,7 @@
               </a:ln>
               <a:extLst>
                 <a:ext uri="{91240B29-F687-4f45-9708-019B960494DF}">
-                  <a14:hiddenLine xmlns:a14="http://schemas.microsoft.com/office/drawing/2010/main" xmlns="" w="9525">
+                  <a14:hiddenLine xmlns="" xmlns:a14="http://schemas.microsoft.com/office/drawing/2010/main" w="9525">
                     <a:solidFill>
                       <a:srgbClr val="000000"/>
                     </a:solidFill>
@@ -9602,7 +9604,7 @@
               </a:ln>
               <a:extLst>
                 <a:ext uri="{91240B29-F687-4f45-9708-019B960494DF}">
-                  <a14:hiddenLine xmlns:a14="http://schemas.microsoft.com/office/drawing/2010/main" xmlns="" w="9525">
+                  <a14:hiddenLine xmlns="" xmlns:a14="http://schemas.microsoft.com/office/drawing/2010/main" w="9525">
                     <a:solidFill>
                       <a:srgbClr val="000000"/>
                     </a:solidFill>
@@ -9692,7 +9694,7 @@
               </a:ln>
               <a:extLst>
                 <a:ext uri="{91240B29-F687-4f45-9708-019B960494DF}">
-                  <a14:hiddenLine xmlns:a14="http://schemas.microsoft.com/office/drawing/2010/main" xmlns="" w="9525">
+                  <a14:hiddenLine xmlns="" xmlns:a14="http://schemas.microsoft.com/office/drawing/2010/main" w="9525">
                     <a:solidFill>
                       <a:srgbClr val="000000"/>
                     </a:solidFill>
@@ -9782,7 +9784,7 @@
               </a:ln>
               <a:extLst>
                 <a:ext uri="{91240B29-F687-4f45-9708-019B960494DF}">
-                  <a14:hiddenLine xmlns:a14="http://schemas.microsoft.com/office/drawing/2010/main" xmlns="" w="9525">
+                  <a14:hiddenLine xmlns="" xmlns:a14="http://schemas.microsoft.com/office/drawing/2010/main" w="9525">
                     <a:solidFill>
                       <a:srgbClr val="000000"/>
                     </a:solidFill>
@@ -9844,7 +9846,7 @@
               </a:ln>
               <a:extLst>
                 <a:ext uri="{91240B29-F687-4f45-9708-019B960494DF}">
-                  <a14:hiddenLine xmlns:a14="http://schemas.microsoft.com/office/drawing/2010/main" xmlns="" w="9525">
+                  <a14:hiddenLine xmlns="" xmlns:a14="http://schemas.microsoft.com/office/drawing/2010/main" w="9525">
                     <a:solidFill>
                       <a:srgbClr val="000000"/>
                     </a:solidFill>
@@ -9954,7 +9956,7 @@
               </a:ln>
               <a:extLst>
                 <a:ext uri="{91240B29-F687-4f45-9708-019B960494DF}">
-                  <a14:hiddenLine xmlns:a14="http://schemas.microsoft.com/office/drawing/2010/main" xmlns="" w="9525">
+                  <a14:hiddenLine xmlns="" xmlns:a14="http://schemas.microsoft.com/office/drawing/2010/main" w="9525">
                     <a:solidFill>
                       <a:srgbClr val="000000"/>
                     </a:solidFill>
@@ -10038,7 +10040,7 @@
               </a:ln>
               <a:extLst>
                 <a:ext uri="{91240B29-F687-4f45-9708-019B960494DF}">
-                  <a14:hiddenLine xmlns:a14="http://schemas.microsoft.com/office/drawing/2010/main" xmlns="" w="9525">
+                  <a14:hiddenLine xmlns="" xmlns:a14="http://schemas.microsoft.com/office/drawing/2010/main" w="9525">
                     <a:solidFill>
                       <a:srgbClr val="000000"/>
                     </a:solidFill>
@@ -10100,7 +10102,7 @@
               </a:ln>
               <a:extLst>
                 <a:ext uri="{91240B29-F687-4f45-9708-019B960494DF}">
-                  <a14:hiddenLine xmlns:a14="http://schemas.microsoft.com/office/drawing/2010/main" xmlns="" w="9525">
+                  <a14:hiddenLine xmlns="" xmlns:a14="http://schemas.microsoft.com/office/drawing/2010/main" w="9525">
                     <a:solidFill>
                       <a:srgbClr val="000000"/>
                     </a:solidFill>
@@ -10162,7 +10164,7 @@
               </a:ln>
               <a:extLst>
                 <a:ext uri="{91240B29-F687-4f45-9708-019B960494DF}">
-                  <a14:hiddenLine xmlns:a14="http://schemas.microsoft.com/office/drawing/2010/main" xmlns="" w="9525">
+                  <a14:hiddenLine xmlns="" xmlns:a14="http://schemas.microsoft.com/office/drawing/2010/main" w="9525">
                     <a:solidFill>
                       <a:srgbClr val="000000"/>
                     </a:solidFill>
@@ -10252,7 +10254,7 @@
               </a:ln>
               <a:extLst>
                 <a:ext uri="{91240B29-F687-4f45-9708-019B960494DF}">
-                  <a14:hiddenLine xmlns:a14="http://schemas.microsoft.com/office/drawing/2010/main" xmlns="" w="9525">
+                  <a14:hiddenLine xmlns="" xmlns:a14="http://schemas.microsoft.com/office/drawing/2010/main" w="9525">
                     <a:solidFill>
                       <a:srgbClr val="000000"/>
                     </a:solidFill>
@@ -10286,7 +10288,7 @@
               </a:ln>
               <a:extLst>
                 <a:ext uri="{91240B29-F687-4f45-9708-019B960494DF}">
-                  <a14:hiddenLine xmlns:a14="http://schemas.microsoft.com/office/drawing/2010/main" xmlns="" w="9525">
+                  <a14:hiddenLine xmlns="" xmlns:a14="http://schemas.microsoft.com/office/drawing/2010/main" w="9525">
                     <a:solidFill>
                       <a:srgbClr val="000000"/>
                     </a:solidFill>
@@ -10351,7 +10353,7 @@
               </a:ln>
               <a:extLst>
                 <a:ext uri="{91240B29-F687-4f45-9708-019B960494DF}">
-                  <a14:hiddenLine xmlns:a14="http://schemas.microsoft.com/office/drawing/2010/main" xmlns="" w="9525">
+                  <a14:hiddenLine xmlns="" xmlns:a14="http://schemas.microsoft.com/office/drawing/2010/main" w="9525">
                     <a:solidFill>
                       <a:srgbClr val="000000"/>
                     </a:solidFill>
@@ -10441,7 +10443,7 @@
               </a:ln>
               <a:extLst>
                 <a:ext uri="{91240B29-F687-4f45-9708-019B960494DF}">
-                  <a14:hiddenLine xmlns:a14="http://schemas.microsoft.com/office/drawing/2010/main" xmlns="" w="9525">
+                  <a14:hiddenLine xmlns="" xmlns:a14="http://schemas.microsoft.com/office/drawing/2010/main" w="9525">
                     <a:solidFill>
                       <a:srgbClr val="000000"/>
                     </a:solidFill>
@@ -10503,7 +10505,7 @@
               </a:ln>
               <a:extLst>
                 <a:ext uri="{91240B29-F687-4f45-9708-019B960494DF}">
-                  <a14:hiddenLine xmlns:a14="http://schemas.microsoft.com/office/drawing/2010/main" xmlns="" w="9525">
+                  <a14:hiddenLine xmlns="" xmlns:a14="http://schemas.microsoft.com/office/drawing/2010/main" w="9525">
                     <a:solidFill>
                       <a:srgbClr val="000000"/>
                     </a:solidFill>
@@ -10593,7 +10595,7 @@
               </a:ln>
               <a:extLst>
                 <a:ext uri="{91240B29-F687-4f45-9708-019B960494DF}">
-                  <a14:hiddenLine xmlns:a14="http://schemas.microsoft.com/office/drawing/2010/main" xmlns="" w="9525">
+                  <a14:hiddenLine xmlns="" xmlns:a14="http://schemas.microsoft.com/office/drawing/2010/main" w="9525">
                     <a:solidFill>
                       <a:srgbClr val="000000"/>
                     </a:solidFill>
@@ -10658,7 +10660,7 @@
               </a:ln>
               <a:extLst>
                 <a:ext uri="{91240B29-F687-4f45-9708-019B960494DF}">
-                  <a14:hiddenLine xmlns:a14="http://schemas.microsoft.com/office/drawing/2010/main" xmlns="" w="9525">
+                  <a14:hiddenLine xmlns="" xmlns:a14="http://schemas.microsoft.com/office/drawing/2010/main" w="9525">
                     <a:solidFill>
                       <a:srgbClr val="000000"/>
                     </a:solidFill>
@@ -10720,7 +10722,7 @@
               </a:ln>
               <a:extLst>
                 <a:ext uri="{91240B29-F687-4f45-9708-019B960494DF}">
-                  <a14:hiddenLine xmlns:a14="http://schemas.microsoft.com/office/drawing/2010/main" xmlns="" w="9525">
+                  <a14:hiddenLine xmlns="" xmlns:a14="http://schemas.microsoft.com/office/drawing/2010/main" w="9525">
                     <a:solidFill>
                       <a:srgbClr val="000000"/>
                     </a:solidFill>
@@ -10810,7 +10812,7 @@
               </a:ln>
               <a:extLst>
                 <a:ext uri="{91240B29-F687-4f45-9708-019B960494DF}">
-                  <a14:hiddenLine xmlns:a14="http://schemas.microsoft.com/office/drawing/2010/main" xmlns="" w="9525">
+                  <a14:hiddenLine xmlns="" xmlns:a14="http://schemas.microsoft.com/office/drawing/2010/main" w="9525">
                     <a:solidFill>
                       <a:srgbClr val="000000"/>
                     </a:solidFill>
@@ -10900,7 +10902,7 @@
               </a:ln>
               <a:extLst>
                 <a:ext uri="{91240B29-F687-4f45-9708-019B960494DF}">
-                  <a14:hiddenLine xmlns:a14="http://schemas.microsoft.com/office/drawing/2010/main" xmlns="" w="9525">
+                  <a14:hiddenLine xmlns="" xmlns:a14="http://schemas.microsoft.com/office/drawing/2010/main" w="9525">
                     <a:solidFill>
                       <a:srgbClr val="000000"/>
                     </a:solidFill>
@@ -10965,7 +10967,7 @@
               </a:ln>
               <a:extLst>
                 <a:ext uri="{91240B29-F687-4f45-9708-019B960494DF}">
-                  <a14:hiddenLine xmlns:a14="http://schemas.microsoft.com/office/drawing/2010/main" xmlns="" w="9525">
+                  <a14:hiddenLine xmlns="" xmlns:a14="http://schemas.microsoft.com/office/drawing/2010/main" w="9525">
                     <a:solidFill>
                       <a:srgbClr val="000000"/>
                     </a:solidFill>
@@ -11085,7 +11087,7 @@
               </a:ln>
               <a:extLst>
                 <a:ext uri="{91240B29-F687-4f45-9708-019B960494DF}">
-                  <a14:hiddenLine xmlns:a14="http://schemas.microsoft.com/office/drawing/2010/main" xmlns="" w="9525">
+                  <a14:hiddenLine xmlns="" xmlns:a14="http://schemas.microsoft.com/office/drawing/2010/main" w="9525">
                     <a:solidFill>
                       <a:srgbClr val="000000"/>
                     </a:solidFill>
@@ -11183,7 +11185,7 @@
               </a:ln>
               <a:extLst>
                 <a:ext uri="{91240B29-F687-4f45-9708-019B960494DF}">
-                  <a14:hiddenLine xmlns:a14="http://schemas.microsoft.com/office/drawing/2010/main" xmlns="" w="9525">
+                  <a14:hiddenLine xmlns="" xmlns:a14="http://schemas.microsoft.com/office/drawing/2010/main" w="9525">
                     <a:solidFill>
                       <a:srgbClr val="000000"/>
                     </a:solidFill>
@@ -11298,7 +11300,7 @@
               </a:ln>
               <a:extLst>
                 <a:ext uri="{91240B29-F687-4f45-9708-019B960494DF}">
-                  <a14:hiddenLine xmlns:a14="http://schemas.microsoft.com/office/drawing/2010/main" xmlns="" w="9525">
+                  <a14:hiddenLine xmlns="" xmlns:a14="http://schemas.microsoft.com/office/drawing/2010/main" w="9525">
                     <a:solidFill>
                       <a:srgbClr val="000000"/>
                     </a:solidFill>
@@ -11388,7 +11390,7 @@
               </a:ln>
               <a:extLst>
                 <a:ext uri="{91240B29-F687-4f45-9708-019B960494DF}">
-                  <a14:hiddenLine xmlns:a14="http://schemas.microsoft.com/office/drawing/2010/main" xmlns="" w="9525">
+                  <a14:hiddenLine xmlns="" xmlns:a14="http://schemas.microsoft.com/office/drawing/2010/main" w="9525">
                     <a:solidFill>
                       <a:srgbClr val="000000"/>
                     </a:solidFill>
@@ -11453,7 +11455,7 @@
               </a:ln>
               <a:extLst>
                 <a:ext uri="{91240B29-F687-4f45-9708-019B960494DF}">
-                  <a14:hiddenLine xmlns:a14="http://schemas.microsoft.com/office/drawing/2010/main" xmlns="" w="9525">
+                  <a14:hiddenLine xmlns="" xmlns:a14="http://schemas.microsoft.com/office/drawing/2010/main" w="9525">
                     <a:solidFill>
                       <a:srgbClr val="000000"/>
                     </a:solidFill>
@@ -11543,7 +11545,7 @@
               </a:ln>
               <a:extLst>
                 <a:ext uri="{91240B29-F687-4f45-9708-019B960494DF}">
-                  <a14:hiddenLine xmlns:a14="http://schemas.microsoft.com/office/drawing/2010/main" xmlns="" w="9525">
+                  <a14:hiddenLine xmlns="" xmlns:a14="http://schemas.microsoft.com/office/drawing/2010/main" w="9525">
                     <a:solidFill>
                       <a:srgbClr val="000000"/>
                     </a:solidFill>
@@ -11611,7 +11613,7 @@
               </a:ln>
               <a:extLst>
                 <a:ext uri="{91240B29-F687-4f45-9708-019B960494DF}">
-                  <a14:hiddenLine xmlns:a14="http://schemas.microsoft.com/office/drawing/2010/main" xmlns="" w="9525">
+                  <a14:hiddenLine xmlns="" xmlns:a14="http://schemas.microsoft.com/office/drawing/2010/main" w="9525">
                     <a:solidFill>
                       <a:srgbClr val="000000"/>
                     </a:solidFill>
@@ -11701,7 +11703,7 @@
               </a:ln>
               <a:extLst>
                 <a:ext uri="{91240B29-F687-4f45-9708-019B960494DF}">
-                  <a14:hiddenLine xmlns:a14="http://schemas.microsoft.com/office/drawing/2010/main" xmlns="" w="9525">
+                  <a14:hiddenLine xmlns="" xmlns:a14="http://schemas.microsoft.com/office/drawing/2010/main" w="9525">
                     <a:solidFill>
                       <a:srgbClr val="000000"/>
                     </a:solidFill>
@@ -11769,7 +11771,7 @@
               </a:ln>
               <a:extLst>
                 <a:ext uri="{91240B29-F687-4f45-9708-019B960494DF}">
-                  <a14:hiddenLine xmlns:a14="http://schemas.microsoft.com/office/drawing/2010/main" xmlns="" w="9525">
+                  <a14:hiddenLine xmlns="" xmlns:a14="http://schemas.microsoft.com/office/drawing/2010/main" w="9525">
                     <a:solidFill>
                       <a:srgbClr val="000000"/>
                     </a:solidFill>
@@ -11859,7 +11861,7 @@
               </a:ln>
               <a:extLst>
                 <a:ext uri="{91240B29-F687-4f45-9708-019B960494DF}">
-                  <a14:hiddenLine xmlns:a14="http://schemas.microsoft.com/office/drawing/2010/main" xmlns="" w="9525">
+                  <a14:hiddenLine xmlns="" xmlns:a14="http://schemas.microsoft.com/office/drawing/2010/main" w="9525">
                     <a:solidFill>
                       <a:srgbClr val="000000"/>
                     </a:solidFill>
@@ -11893,7 +11895,7 @@
               </a:ln>
               <a:extLst>
                 <a:ext uri="{91240B29-F687-4f45-9708-019B960494DF}">
-                  <a14:hiddenLine xmlns:a14="http://schemas.microsoft.com/office/drawing/2010/main" xmlns="" w="9525">
+                  <a14:hiddenLine xmlns="" xmlns:a14="http://schemas.microsoft.com/office/drawing/2010/main" w="9525">
                     <a:solidFill>
                       <a:srgbClr val="000000"/>
                     </a:solidFill>
@@ -12033,7 +12035,7 @@
           <a:p>
             <a:fld id="{9606D4EC-87A2-4A68-95F6-347925EF405A}" type="datetimeFigureOut">
               <a:rPr lang="es-ES" smtClean="0"/>
-              <a:t>05/10/2021</a:t>
+              <a:t>06/10/2021</a:t>
             </a:fld>
             <a:endParaRPr lang="es-ES"/>
           </a:p>
@@ -12917,7 +12919,7 @@
           <a:p>
             <a:r>
               <a:rPr lang="es-ES" sz="3200" dirty="0"/>
-              <a:t>Reiniciar máquina virtual</a:t>
+              <a:t>Bloqueo de máquina virtual</a:t>
             </a:r>
           </a:p>
           <a:p>
@@ -12929,21 +12931,51 @@
           <a:p>
             <a:r>
               <a:rPr lang="es-ES" sz="3200" dirty="0"/>
-              <a:t>Ejecutar copias de seguridad</a:t>
-            </a:r>
-          </a:p>
-          <a:p>
-            <a:pPr marL="0" indent="0">
-              <a:buNone/>
-            </a:pPr>
-            <a:endParaRPr lang="es-ES" sz="3200" dirty="0"/>
+              <a:t>Pérdida de tiempo con las restauraciones</a:t>
+            </a:r>
           </a:p>
         </p:txBody>
       </p:sp>
+      <p:pic>
+        <p:nvPicPr>
+          <p:cNvPr id="7" name="Imagen 6">
+            <a:extLst>
+              <a:ext uri="{FF2B5EF4-FFF2-40B4-BE49-F238E27FC236}">
+                <a16:creationId xmlns:a16="http://schemas.microsoft.com/office/drawing/2014/main" id="{63481328-65FC-427A-9143-6190C5AB17A6}"/>
+              </a:ext>
+            </a:extLst>
+          </p:cNvPr>
+          <p:cNvPicPr>
+            <a:picLocks noChangeAspect="1"/>
+          </p:cNvPicPr>
+          <p:nvPr/>
+        </p:nvPicPr>
+        <p:blipFill>
+          <a:blip r:embed="rId2">
+            <a:extLst>
+              <a:ext uri="{28A0092B-C50C-407E-A947-70E740481C1C}">
+                <a14:useLocalDpi xmlns:a14="http://schemas.microsoft.com/office/drawing/2010/main" val="0"/>
+              </a:ext>
+            </a:extLst>
+          </a:blip>
+          <a:stretch>
+            <a:fillRect/>
+          </a:stretch>
+        </p:blipFill>
+        <p:spPr>
+          <a:xfrm>
+            <a:off x="8901404" y="1948542"/>
+            <a:ext cx="2733869" cy="2733869"/>
+          </a:xfrm>
+          <a:prstGeom prst="rect">
+            <a:avLst/>
+          </a:prstGeom>
+        </p:spPr>
+      </p:pic>
     </p:spTree>
     <p:extLst>
       <p:ext uri="{BB962C8B-B14F-4D97-AF65-F5344CB8AC3E}">
-        <p14:creationId xmlns:p14="http://schemas.microsoft.com/office/powerpoint/2010/main" val="1623292177"/>
+        <p14:creationId xmlns:p14="http://schemas.microsoft.com/office/powerpoint/2010/main" val="3938551390"/>
       </p:ext>
     </p:extLst>
   </p:cSld>
@@ -12989,20 +13021,15 @@
         <p:spPr/>
         <p:txBody>
           <a:bodyPr>
-            <a:normAutofit/>
+            <a:normAutofit fontScale="90000"/>
           </a:bodyPr>
           <a:lstStyle/>
           <a:p>
             <a:pPr algn="ctr"/>
             <a:r>
               <a:rPr lang="es-ES" sz="5200" b="1" dirty="0"/>
-              <a:t>Uso en otros módulos: </a:t>
-            </a:r>
-            <a:r>
-              <a:rPr lang="es-ES" sz="5200" b="1" dirty="0" err="1"/>
-              <a:t>git</a:t>
-            </a:r>
-            <a:endParaRPr lang="es-ES" sz="5200" b="1" dirty="0"/>
+              <a:t>Dificultades encontradas: Máquina virtual - Solución</a:t>
+            </a:r>
           </a:p>
         </p:txBody>
       </p:sp>
@@ -13030,39 +13057,78 @@
         </p:spPr>
         <p:txBody>
           <a:bodyPr>
-            <a:normAutofit fontScale="92500"/>
+            <a:normAutofit/>
           </a:bodyPr>
           <a:lstStyle/>
           <a:p>
+            <a:endParaRPr lang="es-ES" sz="3200" dirty="0"/>
+          </a:p>
+          <a:p>
             <a:r>
               <a:rPr lang="es-ES" sz="3200" dirty="0"/>
-              <a:t>Control de versiones de los diferentes trabajos y proyectos</a:t>
-            </a:r>
-          </a:p>
-          <a:p>
+              <a:t>Reiniciar máquina virtual</a:t>
+            </a:r>
+          </a:p>
+          <a:p>
+            <a:pPr marL="0" indent="0">
+              <a:buNone/>
+            </a:pPr>
             <a:endParaRPr lang="es-ES" sz="3200" dirty="0"/>
           </a:p>
           <a:p>
             <a:r>
               <a:rPr lang="es-ES" sz="3200" dirty="0"/>
-              <a:t>Portabilidad entre equipos</a:t>
-            </a:r>
-          </a:p>
-          <a:p>
+              <a:t>Ejecutar copias de seguridad</a:t>
+            </a:r>
+          </a:p>
+          <a:p>
+            <a:pPr marL="0" indent="0">
+              <a:buNone/>
+            </a:pPr>
             <a:endParaRPr lang="es-ES" sz="3200" dirty="0"/>
-          </a:p>
-          <a:p>
-            <a:r>
-              <a:rPr lang="es-ES" sz="3200" dirty="0"/>
-              <a:t>Realizar trabajos grupales más fácilmente</a:t>
-            </a:r>
           </a:p>
         </p:txBody>
       </p:sp>
+      <p:pic>
+        <p:nvPicPr>
+          <p:cNvPr id="5" name="Imagen 4">
+            <a:extLst>
+              <a:ext uri="{FF2B5EF4-FFF2-40B4-BE49-F238E27FC236}">
+                <a16:creationId xmlns:a16="http://schemas.microsoft.com/office/drawing/2014/main" id="{A94E05D2-E7A3-4136-ADDA-7A09CCDB612E}"/>
+              </a:ext>
+            </a:extLst>
+          </p:cNvPr>
+          <p:cNvPicPr>
+            <a:picLocks noChangeAspect="1"/>
+          </p:cNvPicPr>
+          <p:nvPr/>
+        </p:nvPicPr>
+        <p:blipFill>
+          <a:blip r:embed="rId2">
+            <a:extLst>
+              <a:ext uri="{28A0092B-C50C-407E-A947-70E740481C1C}">
+                <a14:useLocalDpi xmlns:a14="http://schemas.microsoft.com/office/drawing/2010/main" val="0"/>
+              </a:ext>
+            </a:extLst>
+          </a:blip>
+          <a:stretch>
+            <a:fillRect/>
+          </a:stretch>
+        </p:blipFill>
+        <p:spPr>
+          <a:xfrm>
+            <a:off x="8490857" y="2360645"/>
+            <a:ext cx="2750231" cy="2750231"/>
+          </a:xfrm>
+          <a:prstGeom prst="rect">
+            <a:avLst/>
+          </a:prstGeom>
+        </p:spPr>
+      </p:pic>
     </p:spTree>
     <p:extLst>
       <p:ext uri="{BB962C8B-B14F-4D97-AF65-F5344CB8AC3E}">
-        <p14:creationId xmlns:p14="http://schemas.microsoft.com/office/powerpoint/2010/main" val="382446284"/>
+        <p14:creationId xmlns:p14="http://schemas.microsoft.com/office/powerpoint/2010/main" val="1623292177"/>
       </p:ext>
     </p:extLst>
   </p:cSld>
@@ -13108,7 +13174,7 @@
         <p:spPr/>
         <p:txBody>
           <a:bodyPr>
-            <a:normAutofit fontScale="90000"/>
+            <a:normAutofit/>
           </a:bodyPr>
           <a:lstStyle/>
           <a:p>
@@ -13117,13 +13183,11 @@
               <a:rPr lang="es-ES" sz="5200" b="1" dirty="0"/>
               <a:t>Uso en otros módulos: </a:t>
             </a:r>
-            <a:br>
-              <a:rPr lang="es-ES" sz="5200" b="1" dirty="0"/>
-            </a:br>
-            <a:r>
-              <a:rPr lang="es-ES" sz="5200" b="1" dirty="0"/>
-              <a:t>Trabajo en equipo</a:t>
-            </a:r>
+            <a:r>
+              <a:rPr lang="es-ES" sz="5200" b="1" dirty="0" err="1"/>
+              <a:t>git</a:t>
+            </a:r>
+            <a:endParaRPr lang="es-ES" sz="5200" b="1" dirty="0"/>
           </a:p>
         </p:txBody>
       </p:sp>
@@ -13157,39 +13221,104 @@
           <a:p>
             <a:r>
               <a:rPr lang="es-ES" sz="3200" dirty="0"/>
-              <a:t>Compartición de conocimientos</a:t>
-            </a:r>
+              <a:t>Control de versiones</a:t>
+            </a:r>
+          </a:p>
+          <a:p>
+            <a:endParaRPr lang="es-ES" sz="3200" dirty="0"/>
           </a:p>
           <a:p>
             <a:r>
               <a:rPr lang="es-ES" sz="3200" dirty="0"/>
-              <a:t>Motivación entre los integrantes</a:t>
-            </a:r>
+              <a:t>Portabilidad</a:t>
+            </a:r>
+          </a:p>
+          <a:p>
+            <a:endParaRPr lang="es-ES" sz="3200" dirty="0"/>
           </a:p>
           <a:p>
             <a:r>
               <a:rPr lang="es-ES" sz="3200" dirty="0"/>
-              <a:t>Hacer frente a un reto entre todos</a:t>
-            </a:r>
-          </a:p>
-          <a:p>
-            <a:r>
-              <a:rPr lang="es-ES" sz="3200" dirty="0"/>
-              <a:t>Sentirse apoyado</a:t>
-            </a:r>
-          </a:p>
-          <a:p>
-            <a:r>
-              <a:rPr lang="es-ES" sz="3200" dirty="0"/>
-              <a:t>Ambiente más similar a una empresa</a:t>
+              <a:t>Realizar trabajos grupales</a:t>
             </a:r>
           </a:p>
         </p:txBody>
       </p:sp>
+      <p:pic>
+        <p:nvPicPr>
+          <p:cNvPr id="5" name="Imagen 4">
+            <a:extLst>
+              <a:ext uri="{FF2B5EF4-FFF2-40B4-BE49-F238E27FC236}">
+                <a16:creationId xmlns:a16="http://schemas.microsoft.com/office/drawing/2014/main" id="{68EE6E63-66CC-4748-8D6F-B29B39F0A014}"/>
+              </a:ext>
+            </a:extLst>
+          </p:cNvPr>
+          <p:cNvPicPr>
+            <a:picLocks noChangeAspect="1"/>
+          </p:cNvPicPr>
+          <p:nvPr/>
+        </p:nvPicPr>
+        <p:blipFill rotWithShape="1">
+          <a:blip r:embed="rId2">
+            <a:extLst>
+              <a:ext uri="{28A0092B-C50C-407E-A947-70E740481C1C}">
+                <a14:useLocalDpi xmlns:a14="http://schemas.microsoft.com/office/drawing/2010/main" val="0"/>
+              </a:ext>
+            </a:extLst>
+          </a:blip>
+          <a:srcRect l="25105" r="25675"/>
+          <a:stretch/>
+        </p:blipFill>
+        <p:spPr>
+          <a:xfrm>
+            <a:off x="6774025" y="2097088"/>
+            <a:ext cx="1931437" cy="2150161"/>
+          </a:xfrm>
+          <a:prstGeom prst="rect">
+            <a:avLst/>
+          </a:prstGeom>
+        </p:spPr>
+      </p:pic>
+      <p:pic>
+        <p:nvPicPr>
+          <p:cNvPr id="7" name="Imagen 6">
+            <a:extLst>
+              <a:ext uri="{FF2B5EF4-FFF2-40B4-BE49-F238E27FC236}">
+                <a16:creationId xmlns:a16="http://schemas.microsoft.com/office/drawing/2014/main" id="{9641A9CB-3BCA-423D-A71F-839BFC5E24C5}"/>
+              </a:ext>
+            </a:extLst>
+          </p:cNvPr>
+          <p:cNvPicPr>
+            <a:picLocks noChangeAspect="1"/>
+          </p:cNvPicPr>
+          <p:nvPr/>
+        </p:nvPicPr>
+        <p:blipFill>
+          <a:blip r:embed="rId3">
+            <a:extLst>
+              <a:ext uri="{28A0092B-C50C-407E-A947-70E740481C1C}">
+                <a14:useLocalDpi xmlns:a14="http://schemas.microsoft.com/office/drawing/2010/main" val="0"/>
+              </a:ext>
+            </a:extLst>
+          </a:blip>
+          <a:stretch>
+            <a:fillRect/>
+          </a:stretch>
+        </p:blipFill>
+        <p:spPr>
+          <a:xfrm>
+            <a:off x="8374986" y="3804379"/>
+            <a:ext cx="3002902" cy="1689132"/>
+          </a:xfrm>
+          <a:prstGeom prst="rect">
+            <a:avLst/>
+          </a:prstGeom>
+        </p:spPr>
+      </p:pic>
     </p:spTree>
     <p:extLst>
       <p:ext uri="{BB962C8B-B14F-4D97-AF65-F5344CB8AC3E}">
-        <p14:creationId xmlns:p14="http://schemas.microsoft.com/office/powerpoint/2010/main" val="1854658896"/>
+        <p14:creationId xmlns:p14="http://schemas.microsoft.com/office/powerpoint/2010/main" val="382446284"/>
       </p:ext>
     </p:extLst>
   </p:cSld>
@@ -13249,68 +13378,51 @@
             </a:br>
             <a:r>
               <a:rPr lang="es-ES" sz="5200" b="1" dirty="0"/>
-              <a:t>Virtualización de entornos</a:t>
+              <a:t>Trabajo en equipo</a:t>
             </a:r>
           </a:p>
         </p:txBody>
       </p:sp>
-      <p:sp>
-        <p:nvSpPr>
-          <p:cNvPr id="4" name="Marcador de contenido 6">
+      <p:pic>
+        <p:nvPicPr>
+          <p:cNvPr id="5" name="Imagen 4">
             <a:extLst>
               <a:ext uri="{FF2B5EF4-FFF2-40B4-BE49-F238E27FC236}">
-                <a16:creationId xmlns:a16="http://schemas.microsoft.com/office/drawing/2014/main" id="{577453BA-CBEB-4805-B53E-8ABD3E62A7AD}"/>
+                <a16:creationId xmlns:a16="http://schemas.microsoft.com/office/drawing/2014/main" id="{268D88B2-1048-4C58-BD32-E71D1CFE2F4F}"/>
               </a:ext>
             </a:extLst>
           </p:cNvPr>
-          <p:cNvSpPr>
-            <a:spLocks noGrp="1"/>
-          </p:cNvSpPr>
-          <p:nvPr>
-            <p:ph idx="1"/>
-          </p:nvPr>
-        </p:nvSpPr>
+          <p:cNvPicPr>
+            <a:picLocks noChangeAspect="1"/>
+          </p:cNvPicPr>
+          <p:nvPr/>
+        </p:nvPicPr>
+        <p:blipFill>
+          <a:blip r:embed="rId2">
+            <a:extLst>
+              <a:ext uri="{28A0092B-C50C-407E-A947-70E740481C1C}">
+                <a14:useLocalDpi xmlns:a14="http://schemas.microsoft.com/office/drawing/2010/main" val="0"/>
+              </a:ext>
+            </a:extLst>
+          </a:blip>
+          <a:stretch>
+            <a:fillRect/>
+          </a:stretch>
+        </p:blipFill>
         <p:spPr>
           <a:xfrm>
-            <a:off x="1141412" y="2249487"/>
-            <a:ext cx="9905999" cy="3541714"/>
+            <a:off x="2481627" y="1888731"/>
+            <a:ext cx="7228746" cy="4817282"/>
           </a:xfrm>
+          <a:prstGeom prst="rect">
+            <a:avLst/>
+          </a:prstGeom>
         </p:spPr>
-        <p:txBody>
-          <a:bodyPr>
-            <a:normAutofit/>
-          </a:bodyPr>
-          <a:lstStyle/>
-          <a:p>
-            <a:r>
-              <a:rPr lang="es-ES" sz="3200" dirty="0"/>
-              <a:t>Adquisición de experiencia con entornos virtualizados</a:t>
-            </a:r>
-          </a:p>
-          <a:p>
-            <a:endParaRPr lang="es-ES" sz="3200" dirty="0"/>
-          </a:p>
-          <a:p>
-            <a:r>
-              <a:rPr lang="es-ES" sz="3200" dirty="0"/>
-              <a:t>Mayor agilidad durante el desarrollo</a:t>
-            </a:r>
-          </a:p>
-          <a:p>
-            <a:endParaRPr lang="es-ES" sz="3200" dirty="0"/>
-          </a:p>
-          <a:p>
-            <a:r>
-              <a:rPr lang="es-ES" sz="3200" dirty="0"/>
-              <a:t>Posibilidad de virtualizar otros servicios</a:t>
-            </a:r>
-          </a:p>
-        </p:txBody>
-      </p:sp>
+      </p:pic>
     </p:spTree>
     <p:extLst>
       <p:ext uri="{BB962C8B-B14F-4D97-AF65-F5344CB8AC3E}">
-        <p14:creationId xmlns:p14="http://schemas.microsoft.com/office/powerpoint/2010/main" val="2400454251"/>
+        <p14:creationId xmlns:p14="http://schemas.microsoft.com/office/powerpoint/2010/main" val="1854658896"/>
       </p:ext>
     </p:extLst>
   </p:cSld>
@@ -13370,21 +13482,8 @@
             </a:br>
             <a:r>
               <a:rPr lang="es-ES" sz="5200" b="1" dirty="0"/>
-              <a:t>visual </a:t>
-            </a:r>
-            <a:r>
-              <a:rPr lang="es-ES" sz="5200" b="1" dirty="0" err="1"/>
-              <a:t>studio</a:t>
-            </a:r>
-            <a:r>
-              <a:rPr lang="es-ES" sz="5200" b="1" dirty="0"/>
-              <a:t> </a:t>
-            </a:r>
-            <a:r>
-              <a:rPr lang="es-ES" sz="5200" b="1" dirty="0" err="1"/>
-              <a:t>code</a:t>
-            </a:r>
-            <a:endParaRPr lang="es-ES" sz="5200" b="1" dirty="0"/>
+              <a:t>Virtualización de entornos</a:t>
+            </a:r>
           </a:p>
         </p:txBody>
       </p:sp>
@@ -13416,32 +13515,71 @@
           </a:bodyPr>
           <a:lstStyle/>
           <a:p>
+            <a:r>
+              <a:rPr lang="es-ES" sz="3200" dirty="0"/>
+              <a:t>Adquisición de experiencia</a:t>
+            </a:r>
+          </a:p>
+          <a:p>
             <a:endParaRPr lang="es-ES" sz="3200" dirty="0"/>
           </a:p>
           <a:p>
             <a:r>
               <a:rPr lang="es-ES" sz="3200" dirty="0"/>
-              <a:t>Adquisición de experiencia con el IDE</a:t>
-            </a:r>
-          </a:p>
-          <a:p>
-            <a:pPr marL="0" indent="0">
-              <a:buNone/>
-            </a:pPr>
+              <a:t>Mayor agilidad</a:t>
+            </a:r>
+          </a:p>
+          <a:p>
             <a:endParaRPr lang="es-ES" sz="3200" dirty="0"/>
           </a:p>
           <a:p>
             <a:r>
               <a:rPr lang="es-ES" sz="3200" dirty="0"/>
-              <a:t>Mayor agilidad durante el desarrollo</a:t>
+              <a:t>Virtualizar otros servicios</a:t>
             </a:r>
           </a:p>
         </p:txBody>
       </p:sp>
+      <p:pic>
+        <p:nvPicPr>
+          <p:cNvPr id="5" name="Imagen 4">
+            <a:extLst>
+              <a:ext uri="{FF2B5EF4-FFF2-40B4-BE49-F238E27FC236}">
+                <a16:creationId xmlns:a16="http://schemas.microsoft.com/office/drawing/2014/main" id="{7572DCB6-0030-4A01-99A8-FFD3BB4CC27E}"/>
+              </a:ext>
+            </a:extLst>
+          </p:cNvPr>
+          <p:cNvPicPr>
+            <a:picLocks noChangeAspect="1"/>
+          </p:cNvPicPr>
+          <p:nvPr/>
+        </p:nvPicPr>
+        <p:blipFill>
+          <a:blip r:embed="rId2">
+            <a:extLst>
+              <a:ext uri="{28A0092B-C50C-407E-A947-70E740481C1C}">
+                <a14:useLocalDpi xmlns:a14="http://schemas.microsoft.com/office/drawing/2010/main" val="0"/>
+              </a:ext>
+            </a:extLst>
+          </a:blip>
+          <a:stretch>
+            <a:fillRect/>
+          </a:stretch>
+        </p:blipFill>
+        <p:spPr>
+          <a:xfrm>
+            <a:off x="6775545" y="2516328"/>
+            <a:ext cx="3935997" cy="3274873"/>
+          </a:xfrm>
+          <a:prstGeom prst="rect">
+            <a:avLst/>
+          </a:prstGeom>
+        </p:spPr>
+      </p:pic>
     </p:spTree>
     <p:extLst>
       <p:ext uri="{BB962C8B-B14F-4D97-AF65-F5344CB8AC3E}">
-        <p14:creationId xmlns:p14="http://schemas.microsoft.com/office/powerpoint/2010/main" val="3136872620"/>
+        <p14:creationId xmlns:p14="http://schemas.microsoft.com/office/powerpoint/2010/main" val="2400454251"/>
       </p:ext>
     </p:extLst>
   </p:cSld>
@@ -13501,8 +13639,21 @@
             </a:br>
             <a:r>
               <a:rPr lang="es-ES" sz="5200" b="1" dirty="0"/>
-              <a:t>resolución de problemas</a:t>
-            </a:r>
+              <a:t>visual </a:t>
+            </a:r>
+            <a:r>
+              <a:rPr lang="es-ES" sz="5200" b="1" dirty="0" err="1"/>
+              <a:t>studio</a:t>
+            </a:r>
+            <a:r>
+              <a:rPr lang="es-ES" sz="5200" b="1" dirty="0"/>
+              <a:t> </a:t>
+            </a:r>
+            <a:r>
+              <a:rPr lang="es-ES" sz="5200" b="1" dirty="0" err="1"/>
+              <a:t>code</a:t>
+            </a:r>
+            <a:endParaRPr lang="es-ES" sz="5200" b="1" dirty="0"/>
           </a:p>
         </p:txBody>
       </p:sp>
@@ -13539,7 +13690,7 @@
           <a:p>
             <a:r>
               <a:rPr lang="es-ES" sz="3200" dirty="0"/>
-              <a:t>Afrontar retos</a:t>
+              <a:t>Adquisición de experiencia</a:t>
             </a:r>
           </a:p>
           <a:p>
@@ -13548,18 +13699,51 @@
           <a:p>
             <a:r>
               <a:rPr lang="es-ES" sz="3200" dirty="0"/>
-              <a:t>Encontrar documentación adecuada</a:t>
-            </a:r>
-          </a:p>
-          <a:p>
-            <a:endParaRPr lang="es-ES" sz="3200" dirty="0"/>
+              <a:t>Mayor agilidad</a:t>
+            </a:r>
           </a:p>
         </p:txBody>
       </p:sp>
+      <p:pic>
+        <p:nvPicPr>
+          <p:cNvPr id="7" name="Imagen 6">
+            <a:extLst>
+              <a:ext uri="{FF2B5EF4-FFF2-40B4-BE49-F238E27FC236}">
+                <a16:creationId xmlns:a16="http://schemas.microsoft.com/office/drawing/2014/main" id="{7FA5E916-5A20-49A6-B8A9-02226159F010}"/>
+              </a:ext>
+            </a:extLst>
+          </p:cNvPr>
+          <p:cNvPicPr>
+            <a:picLocks noChangeAspect="1"/>
+          </p:cNvPicPr>
+          <p:nvPr/>
+        </p:nvPicPr>
+        <p:blipFill>
+          <a:blip r:embed="rId2">
+            <a:extLst>
+              <a:ext uri="{28A0092B-C50C-407E-A947-70E740481C1C}">
+                <a14:useLocalDpi xmlns:a14="http://schemas.microsoft.com/office/drawing/2010/main" val="0"/>
+              </a:ext>
+            </a:extLst>
+          </a:blip>
+          <a:stretch>
+            <a:fillRect/>
+          </a:stretch>
+        </p:blipFill>
+        <p:spPr>
+          <a:xfrm>
+            <a:off x="7360298" y="2661962"/>
+            <a:ext cx="2716763" cy="2716763"/>
+          </a:xfrm>
+          <a:prstGeom prst="rect">
+            <a:avLst/>
+          </a:prstGeom>
+        </p:spPr>
+      </p:pic>
     </p:spTree>
     <p:extLst>
       <p:ext uri="{BB962C8B-B14F-4D97-AF65-F5344CB8AC3E}">
-        <p14:creationId xmlns:p14="http://schemas.microsoft.com/office/powerpoint/2010/main" val="855892236"/>
+        <p14:creationId xmlns:p14="http://schemas.microsoft.com/office/powerpoint/2010/main" val="3136872620"/>
       </p:ext>
     </p:extLst>
   </p:cSld>
@@ -13612,7 +13796,14 @@
             <a:pPr algn="ctr"/>
             <a:r>
               <a:rPr lang="es-ES" sz="5200" b="1" dirty="0"/>
-              <a:t>Propuestas de mejora futuras </a:t>
+              <a:t>Uso en otros módulos: </a:t>
+            </a:r>
+            <a:br>
+              <a:rPr lang="es-ES" sz="5200" b="1" dirty="0"/>
+            </a:br>
+            <a:r>
+              <a:rPr lang="es-ES" sz="5200" b="1" dirty="0"/>
+              <a:t>resolución de problemas</a:t>
             </a:r>
           </a:p>
         </p:txBody>
@@ -13650,21 +13841,16 @@
           <a:p>
             <a:r>
               <a:rPr lang="es-ES" sz="3200" dirty="0"/>
-              <a:t>Servidor en la nube con </a:t>
-            </a:r>
-            <a:r>
-              <a:rPr lang="es-ES" sz="3200" dirty="0" err="1"/>
-              <a:t>Kubernetes</a:t>
-            </a:r>
+              <a:t>Afrontar retos</a:t>
+            </a:r>
+          </a:p>
+          <a:p>
             <a:endParaRPr lang="es-ES" sz="3200" dirty="0"/>
           </a:p>
           <a:p>
-            <a:endParaRPr lang="es-ES" sz="3200" dirty="0"/>
-          </a:p>
-          <a:p>
             <a:r>
               <a:rPr lang="es-ES" sz="3200" dirty="0"/>
-              <a:t>Guía de instalación en otros sistemas operativos</a:t>
+              <a:t>Encontrar documentación adecuada</a:t>
             </a:r>
           </a:p>
           <a:p>
@@ -13672,10 +13858,46 @@
           </a:p>
         </p:txBody>
       </p:sp>
+      <p:pic>
+        <p:nvPicPr>
+          <p:cNvPr id="5" name="Imagen 4">
+            <a:extLst>
+              <a:ext uri="{FF2B5EF4-FFF2-40B4-BE49-F238E27FC236}">
+                <a16:creationId xmlns:a16="http://schemas.microsoft.com/office/drawing/2014/main" id="{16319715-B76F-4527-B348-09053051D5A7}"/>
+              </a:ext>
+            </a:extLst>
+          </p:cNvPr>
+          <p:cNvPicPr>
+            <a:picLocks noChangeAspect="1"/>
+          </p:cNvPicPr>
+          <p:nvPr/>
+        </p:nvPicPr>
+        <p:blipFill>
+          <a:blip r:embed="rId2">
+            <a:extLst>
+              <a:ext uri="{28A0092B-C50C-407E-A947-70E740481C1C}">
+                <a14:useLocalDpi xmlns:a14="http://schemas.microsoft.com/office/drawing/2010/main" val="0"/>
+              </a:ext>
+            </a:extLst>
+          </a:blip>
+          <a:stretch>
+            <a:fillRect/>
+          </a:stretch>
+        </p:blipFill>
+        <p:spPr>
+          <a:xfrm>
+            <a:off x="7615907" y="1875367"/>
+            <a:ext cx="4289954" cy="4289954"/>
+          </a:xfrm>
+          <a:prstGeom prst="rect">
+            <a:avLst/>
+          </a:prstGeom>
+        </p:spPr>
+      </p:pic>
     </p:spTree>
     <p:extLst>
       <p:ext uri="{BB962C8B-B14F-4D97-AF65-F5344CB8AC3E}">
-        <p14:creationId xmlns:p14="http://schemas.microsoft.com/office/powerpoint/2010/main" val="1683262234"/>
+        <p14:creationId xmlns:p14="http://schemas.microsoft.com/office/powerpoint/2010/main" val="855892236"/>
       </p:ext>
     </p:extLst>
   </p:cSld>
@@ -13728,7 +13950,7 @@
             <a:pPr algn="ctr"/>
             <a:r>
               <a:rPr lang="es-ES" sz="5200" b="1" dirty="0"/>
-              <a:t>Trabajo en equipo: dificultades </a:t>
+              <a:t>Propuestas de mejora futuras </a:t>
             </a:r>
           </a:p>
         </p:txBody>
@@ -13766,16 +13988,21 @@
           <a:p>
             <a:r>
               <a:rPr lang="es-ES" sz="3200" dirty="0"/>
-              <a:t>Falta de comunicación</a:t>
-            </a:r>
-          </a:p>
-          <a:p>
+              <a:t>Servidor en la nube con </a:t>
+            </a:r>
+            <a:r>
+              <a:rPr lang="es-ES" sz="3200" dirty="0" err="1"/>
+              <a:t>Kubernetes</a:t>
+            </a:r>
             <a:endParaRPr lang="es-ES" sz="3200" dirty="0"/>
           </a:p>
           <a:p>
+            <a:endParaRPr lang="es-ES" sz="3200" dirty="0"/>
+          </a:p>
+          <a:p>
             <a:r>
               <a:rPr lang="es-ES" sz="3200" dirty="0"/>
-              <a:t>Diferentes opiniones</a:t>
+              <a:t>Guía de instalación en otros sistemas operativos</a:t>
             </a:r>
           </a:p>
           <a:p>
@@ -13783,10 +14010,82 @@
           </a:p>
         </p:txBody>
       </p:sp>
+      <p:pic>
+        <p:nvPicPr>
+          <p:cNvPr id="5" name="Imagen 4">
+            <a:extLst>
+              <a:ext uri="{FF2B5EF4-FFF2-40B4-BE49-F238E27FC236}">
+                <a16:creationId xmlns:a16="http://schemas.microsoft.com/office/drawing/2014/main" id="{69A1F3CF-E1E5-4792-BEA8-FFE9BFB51C48}"/>
+              </a:ext>
+            </a:extLst>
+          </p:cNvPr>
+          <p:cNvPicPr>
+            <a:picLocks noChangeAspect="1"/>
+          </p:cNvPicPr>
+          <p:nvPr/>
+        </p:nvPicPr>
+        <p:blipFill>
+          <a:blip r:embed="rId2">
+            <a:extLst>
+              <a:ext uri="{28A0092B-C50C-407E-A947-70E740481C1C}">
+                <a14:useLocalDpi xmlns:a14="http://schemas.microsoft.com/office/drawing/2010/main" val="0"/>
+              </a:ext>
+            </a:extLst>
+          </a:blip>
+          <a:stretch>
+            <a:fillRect/>
+          </a:stretch>
+        </p:blipFill>
+        <p:spPr>
+          <a:xfrm>
+            <a:off x="8601966" y="2128190"/>
+            <a:ext cx="1142518" cy="1109532"/>
+          </a:xfrm>
+          <a:prstGeom prst="rect">
+            <a:avLst/>
+          </a:prstGeom>
+        </p:spPr>
+      </p:pic>
+      <p:pic>
+        <p:nvPicPr>
+          <p:cNvPr id="7" name="Imagen 6">
+            <a:extLst>
+              <a:ext uri="{FF2B5EF4-FFF2-40B4-BE49-F238E27FC236}">
+                <a16:creationId xmlns:a16="http://schemas.microsoft.com/office/drawing/2014/main" id="{C68F843D-5CD5-4B4A-830A-25A7AC50A8B7}"/>
+              </a:ext>
+            </a:extLst>
+          </p:cNvPr>
+          <p:cNvPicPr>
+            <a:picLocks noChangeAspect="1"/>
+          </p:cNvPicPr>
+          <p:nvPr/>
+        </p:nvPicPr>
+        <p:blipFill>
+          <a:blip r:embed="rId3">
+            <a:extLst>
+              <a:ext uri="{28A0092B-C50C-407E-A947-70E740481C1C}">
+                <a14:useLocalDpi xmlns:a14="http://schemas.microsoft.com/office/drawing/2010/main" val="0"/>
+              </a:ext>
+            </a:extLst>
+          </a:blip>
+          <a:stretch>
+            <a:fillRect/>
+          </a:stretch>
+        </p:blipFill>
+        <p:spPr>
+          <a:xfrm>
+            <a:off x="10000861" y="3320146"/>
+            <a:ext cx="1158551" cy="1158551"/>
+          </a:xfrm>
+          <a:prstGeom prst="rect">
+            <a:avLst/>
+          </a:prstGeom>
+        </p:spPr>
+      </p:pic>
     </p:spTree>
     <p:extLst>
       <p:ext uri="{BB962C8B-B14F-4D97-AF65-F5344CB8AC3E}">
-        <p14:creationId xmlns:p14="http://schemas.microsoft.com/office/powerpoint/2010/main" val="3848717920"/>
+        <p14:creationId xmlns:p14="http://schemas.microsoft.com/office/powerpoint/2010/main" val="1683262234"/>
       </p:ext>
     </p:extLst>
   </p:cSld>
@@ -13832,24 +14131,24 @@
         <p:spPr/>
         <p:txBody>
           <a:bodyPr>
-            <a:normAutofit/>
+            <a:normAutofit fontScale="90000"/>
           </a:bodyPr>
           <a:lstStyle/>
           <a:p>
             <a:pPr algn="ctr"/>
             <a:r>
               <a:rPr lang="es-ES" sz="5200" b="1" dirty="0"/>
-              <a:t>Opinión del reto</a:t>
+              <a:t>Trabajo en equipo: dificultades </a:t>
             </a:r>
           </a:p>
         </p:txBody>
       </p:sp>
       <p:sp>
         <p:nvSpPr>
-          <p:cNvPr id="5" name="Marcador de contenido 4">
+          <p:cNvPr id="4" name="Marcador de contenido 6">
             <a:extLst>
               <a:ext uri="{FF2B5EF4-FFF2-40B4-BE49-F238E27FC236}">
-                <a16:creationId xmlns:a16="http://schemas.microsoft.com/office/drawing/2014/main" id="{854B4BA3-2C10-456F-B81F-7A96CC67D6F8}"/>
+                <a16:creationId xmlns:a16="http://schemas.microsoft.com/office/drawing/2014/main" id="{577453BA-CBEB-4805-B53E-8ABD3E62A7AD}"/>
               </a:ext>
             </a:extLst>
           </p:cNvPr>
@@ -13860,15 +14159,135 @@
             <p:ph idx="1"/>
           </p:nvPr>
         </p:nvSpPr>
+        <p:spPr>
+          <a:xfrm>
+            <a:off x="1141412" y="2249487"/>
+            <a:ext cx="9905999" cy="3541714"/>
+          </a:xfrm>
+        </p:spPr>
+        <p:txBody>
+          <a:bodyPr>
+            <a:normAutofit/>
+          </a:bodyPr>
+          <a:lstStyle/>
+          <a:p>
+            <a:endParaRPr lang="es-ES" sz="3200" dirty="0"/>
+          </a:p>
+          <a:p>
+            <a:r>
+              <a:rPr lang="es-ES" sz="3200" dirty="0"/>
+              <a:t>Falta de comunicación</a:t>
+            </a:r>
+          </a:p>
+          <a:p>
+            <a:endParaRPr lang="es-ES" sz="3200" dirty="0"/>
+          </a:p>
+          <a:p>
+            <a:r>
+              <a:rPr lang="es-ES" sz="3200" dirty="0"/>
+              <a:t>Diferentes opiniones</a:t>
+            </a:r>
+          </a:p>
+          <a:p>
+            <a:endParaRPr lang="es-ES" sz="3200" dirty="0"/>
+          </a:p>
+        </p:txBody>
+      </p:sp>
+    </p:spTree>
+    <p:extLst>
+      <p:ext uri="{BB962C8B-B14F-4D97-AF65-F5344CB8AC3E}">
+        <p14:creationId xmlns:p14="http://schemas.microsoft.com/office/powerpoint/2010/main" val="3848717920"/>
+      </p:ext>
+    </p:extLst>
+  </p:cSld>
+  <p:clrMapOvr>
+    <a:masterClrMapping/>
+  </p:clrMapOvr>
+</p:sld>
+</file>
+
+<file path=ppt/slides/slide19.xml><?xml version="1.0" encoding="utf-8"?>
+<p:sld xmlns:a="http://schemas.openxmlformats.org/drawingml/2006/main" xmlns:r="http://schemas.openxmlformats.org/officeDocument/2006/relationships" xmlns:p="http://schemas.openxmlformats.org/presentationml/2006/main">
+  <p:cSld>
+    <p:spTree>
+      <p:nvGrpSpPr>
+        <p:cNvPr id="1" name=""/>
+        <p:cNvGrpSpPr/>
+        <p:nvPr/>
+      </p:nvGrpSpPr>
+      <p:grpSpPr>
+        <a:xfrm>
+          <a:off x="0" y="0"/>
+          <a:ext cx="0" cy="0"/>
+          <a:chOff x="0" y="0"/>
+          <a:chExt cx="0" cy="0"/>
+        </a:xfrm>
+      </p:grpSpPr>
+      <p:sp>
+        <p:nvSpPr>
+          <p:cNvPr id="2" name="Título 1">
+            <a:extLst>
+              <a:ext uri="{FF2B5EF4-FFF2-40B4-BE49-F238E27FC236}">
+                <a16:creationId xmlns:a16="http://schemas.microsoft.com/office/drawing/2014/main" id="{37122338-5D14-4DBE-AF24-0F5AED9A480C}"/>
+              </a:ext>
+            </a:extLst>
+          </p:cNvPr>
+          <p:cNvSpPr>
+            <a:spLocks noGrp="1"/>
+          </p:cNvSpPr>
+          <p:nvPr>
+            <p:ph type="title"/>
+          </p:nvPr>
+        </p:nvSpPr>
         <p:spPr/>
         <p:txBody>
-          <a:bodyPr/>
+          <a:bodyPr>
+            <a:normAutofit/>
+          </a:bodyPr>
           <a:lstStyle/>
           <a:p>
-            <a:endParaRPr lang="es-ES"/>
+            <a:pPr algn="ctr"/>
+            <a:r>
+              <a:rPr lang="es-ES" sz="5200" b="1" dirty="0"/>
+              <a:t>Opinión del reto</a:t>
+            </a:r>
           </a:p>
         </p:txBody>
       </p:sp>
+      <p:pic>
+        <p:nvPicPr>
+          <p:cNvPr id="4" name="Marcador de contenido 3">
+            <a:extLst>
+              <a:ext uri="{FF2B5EF4-FFF2-40B4-BE49-F238E27FC236}">
+                <a16:creationId xmlns:a16="http://schemas.microsoft.com/office/drawing/2014/main" id="{0E72BE68-5A5E-415C-9140-A14EA60CB439}"/>
+              </a:ext>
+            </a:extLst>
+          </p:cNvPr>
+          <p:cNvPicPr>
+            <a:picLocks noGrp="1" noChangeAspect="1"/>
+          </p:cNvPicPr>
+          <p:nvPr>
+            <p:ph idx="1"/>
+          </p:nvPr>
+        </p:nvPicPr>
+        <p:blipFill rotWithShape="1">
+          <a:blip r:embed="rId2">
+            <a:extLst>
+              <a:ext uri="{28A0092B-C50C-407E-A947-70E740481C1C}">
+                <a14:useLocalDpi xmlns:a14="http://schemas.microsoft.com/office/drawing/2010/main" val="0"/>
+              </a:ext>
+            </a:extLst>
+          </a:blip>
+          <a:srcRect t="-1" b="966"/>
+          <a:stretch/>
+        </p:blipFill>
+        <p:spPr>
+          <a:xfrm>
+            <a:off x="3488628" y="2268149"/>
+            <a:ext cx="5211568" cy="3507500"/>
+          </a:xfrm>
+        </p:spPr>
+      </p:pic>
     </p:spTree>
     <p:extLst>
       <p:ext uri="{BB962C8B-B14F-4D97-AF65-F5344CB8AC3E}">
@@ -13883,6 +14302,245 @@
 </file>
 
 <file path=ppt/slides/slide2.xml><?xml version="1.0" encoding="utf-8"?>
+<p:sld xmlns:a="http://schemas.openxmlformats.org/drawingml/2006/main" xmlns:r="http://schemas.openxmlformats.org/officeDocument/2006/relationships" xmlns:p="http://schemas.openxmlformats.org/presentationml/2006/main">
+  <p:cSld>
+    <p:spTree>
+      <p:nvGrpSpPr>
+        <p:cNvPr id="1" name=""/>
+        <p:cNvGrpSpPr/>
+        <p:nvPr/>
+      </p:nvGrpSpPr>
+      <p:grpSpPr>
+        <a:xfrm>
+          <a:off x="0" y="0"/>
+          <a:ext cx="0" cy="0"/>
+          <a:chOff x="0" y="0"/>
+          <a:chExt cx="0" cy="0"/>
+        </a:xfrm>
+      </p:grpSpPr>
+      <p:sp>
+        <p:nvSpPr>
+          <p:cNvPr id="2" name="Título 1">
+            <a:extLst>
+              <a:ext uri="{FF2B5EF4-FFF2-40B4-BE49-F238E27FC236}">
+                <a16:creationId xmlns:a16="http://schemas.microsoft.com/office/drawing/2014/main" id="{37122338-5D14-4DBE-AF24-0F5AED9A480C}"/>
+              </a:ext>
+            </a:extLst>
+          </p:cNvPr>
+          <p:cNvSpPr>
+            <a:spLocks noGrp="1"/>
+          </p:cNvSpPr>
+          <p:nvPr>
+            <p:ph type="title"/>
+          </p:nvPr>
+        </p:nvSpPr>
+        <p:spPr/>
+        <p:txBody>
+          <a:bodyPr>
+            <a:normAutofit/>
+          </a:bodyPr>
+          <a:lstStyle/>
+          <a:p>
+            <a:pPr algn="ctr"/>
+            <a:r>
+              <a:rPr lang="es-ES" sz="5200" b="1" dirty="0"/>
+              <a:t>Índice</a:t>
+            </a:r>
+          </a:p>
+        </p:txBody>
+      </p:sp>
+      <p:sp>
+        <p:nvSpPr>
+          <p:cNvPr id="7" name="Marcador de contenido 6">
+            <a:extLst>
+              <a:ext uri="{FF2B5EF4-FFF2-40B4-BE49-F238E27FC236}">
+                <a16:creationId xmlns:a16="http://schemas.microsoft.com/office/drawing/2014/main" id="{E17EAE5D-2EFA-473B-B592-783B37ECB16B}"/>
+              </a:ext>
+            </a:extLst>
+          </p:cNvPr>
+          <p:cNvSpPr>
+            <a:spLocks noGrp="1"/>
+          </p:cNvSpPr>
+          <p:nvPr>
+            <p:ph idx="1"/>
+          </p:nvPr>
+        </p:nvSpPr>
+        <p:spPr>
+          <a:xfrm>
+            <a:off x="1141412" y="2249487"/>
+            <a:ext cx="9905999" cy="3541714"/>
+          </a:xfrm>
+        </p:spPr>
+        <p:txBody>
+          <a:bodyPr>
+            <a:normAutofit/>
+          </a:bodyPr>
+          <a:lstStyle/>
+          <a:p>
+            <a:pPr marL="514350" indent="-514350">
+              <a:spcAft>
+                <a:spcPts val="1800"/>
+              </a:spcAft>
+              <a:buFont typeface="+mj-lt"/>
+              <a:buAutoNum type="arabicPeriod"/>
+            </a:pPr>
+            <a:r>
+              <a:rPr lang="es-ES" sz="3200" dirty="0"/>
+              <a:t>Desarrollo del proyecto</a:t>
+            </a:r>
+          </a:p>
+          <a:p>
+            <a:pPr marL="514350" indent="-514350">
+              <a:spcAft>
+                <a:spcPts val="1800"/>
+              </a:spcAft>
+              <a:buFont typeface="+mj-lt"/>
+              <a:buAutoNum type="arabicPeriod"/>
+            </a:pPr>
+            <a:r>
+              <a:rPr lang="es-ES" sz="3200" dirty="0"/>
+              <a:t>Dificultades encontradas</a:t>
+            </a:r>
+          </a:p>
+          <a:p>
+            <a:pPr marL="514350" indent="-514350">
+              <a:spcAft>
+                <a:spcPts val="1800"/>
+              </a:spcAft>
+              <a:buFont typeface="+mj-lt"/>
+              <a:buAutoNum type="arabicPeriod"/>
+            </a:pPr>
+            <a:r>
+              <a:rPr lang="es-ES" sz="3200" dirty="0"/>
+              <a:t>Uso en otros módulos</a:t>
+            </a:r>
+          </a:p>
+          <a:p>
+            <a:pPr marL="514350" indent="-514350">
+              <a:spcAft>
+                <a:spcPts val="1800"/>
+              </a:spcAft>
+              <a:buFont typeface="+mj-lt"/>
+              <a:buAutoNum type="arabicPeriod"/>
+            </a:pPr>
+            <a:r>
+              <a:rPr lang="es-ES" sz="3200" dirty="0"/>
+              <a:t>Opinión del proyecto</a:t>
+            </a:r>
+          </a:p>
+        </p:txBody>
+      </p:sp>
+    </p:spTree>
+    <p:extLst>
+      <p:ext uri="{BB962C8B-B14F-4D97-AF65-F5344CB8AC3E}">
+        <p14:creationId xmlns:p14="http://schemas.microsoft.com/office/powerpoint/2010/main" val="41253819"/>
+      </p:ext>
+    </p:extLst>
+  </p:cSld>
+  <p:clrMapOvr>
+    <a:masterClrMapping/>
+  </p:clrMapOvr>
+</p:sld>
+</file>
+
+<file path=ppt/slides/slide20.xml><?xml version="1.0" encoding="utf-8"?>
+<p:sld xmlns:a="http://schemas.openxmlformats.org/drawingml/2006/main" xmlns:r="http://schemas.openxmlformats.org/officeDocument/2006/relationships" xmlns:p="http://schemas.openxmlformats.org/presentationml/2006/main">
+  <p:cSld>
+    <p:spTree>
+      <p:nvGrpSpPr>
+        <p:cNvPr id="1" name=""/>
+        <p:cNvGrpSpPr/>
+        <p:nvPr/>
+      </p:nvGrpSpPr>
+      <p:grpSpPr>
+        <a:xfrm>
+          <a:off x="0" y="0"/>
+          <a:ext cx="0" cy="0"/>
+          <a:chOff x="0" y="0"/>
+          <a:chExt cx="0" cy="0"/>
+        </a:xfrm>
+      </p:grpSpPr>
+      <p:sp>
+        <p:nvSpPr>
+          <p:cNvPr id="2" name="Título 1">
+            <a:extLst>
+              <a:ext uri="{FF2B5EF4-FFF2-40B4-BE49-F238E27FC236}">
+                <a16:creationId xmlns:a16="http://schemas.microsoft.com/office/drawing/2014/main" id="{37122338-5D14-4DBE-AF24-0F5AED9A480C}"/>
+              </a:ext>
+            </a:extLst>
+          </p:cNvPr>
+          <p:cNvSpPr>
+            <a:spLocks noGrp="1"/>
+          </p:cNvSpPr>
+          <p:nvPr>
+            <p:ph type="title"/>
+          </p:nvPr>
+        </p:nvSpPr>
+        <p:spPr/>
+        <p:txBody>
+          <a:bodyPr>
+            <a:normAutofit/>
+          </a:bodyPr>
+          <a:lstStyle/>
+          <a:p>
+            <a:pPr algn="ctr"/>
+            <a:r>
+              <a:rPr lang="es-ES" sz="5200" b="1" dirty="0"/>
+              <a:t>Despedida</a:t>
+            </a:r>
+          </a:p>
+        </p:txBody>
+      </p:sp>
+      <p:pic>
+        <p:nvPicPr>
+          <p:cNvPr id="4" name="Marcador de contenido 3">
+            <a:extLst>
+              <a:ext uri="{FF2B5EF4-FFF2-40B4-BE49-F238E27FC236}">
+                <a16:creationId xmlns:a16="http://schemas.microsoft.com/office/drawing/2014/main" id="{D45BC613-A44A-4D38-801F-579D08457BEE}"/>
+              </a:ext>
+            </a:extLst>
+          </p:cNvPr>
+          <p:cNvPicPr>
+            <a:picLocks noGrp="1" noChangeAspect="1"/>
+          </p:cNvPicPr>
+          <p:nvPr>
+            <p:ph idx="1"/>
+          </p:nvPr>
+        </p:nvPicPr>
+        <p:blipFill>
+          <a:blip r:embed="rId2">
+            <a:lum bright="70000" contrast="-70000"/>
+            <a:extLst>
+              <a:ext uri="{28A0092B-C50C-407E-A947-70E740481C1C}">
+                <a14:useLocalDpi xmlns:a14="http://schemas.microsoft.com/office/drawing/2010/main" val="0"/>
+              </a:ext>
+            </a:extLst>
+          </a:blip>
+          <a:stretch>
+            <a:fillRect/>
+          </a:stretch>
+        </p:blipFill>
+        <p:spPr>
+          <a:xfrm>
+            <a:off x="2810562" y="2249488"/>
+            <a:ext cx="6567701" cy="3541712"/>
+          </a:xfrm>
+        </p:spPr>
+      </p:pic>
+    </p:spTree>
+    <p:extLst>
+      <p:ext uri="{BB962C8B-B14F-4D97-AF65-F5344CB8AC3E}">
+        <p14:creationId xmlns:p14="http://schemas.microsoft.com/office/powerpoint/2010/main" val="3141198423"/>
+      </p:ext>
+    </p:extLst>
+  </p:cSld>
+  <p:clrMapOvr>
+    <a:masterClrMapping/>
+  </p:clrMapOvr>
+</p:sld>
+</file>
+
+<file path=ppt/slides/slide3.xml><?xml version="1.0" encoding="utf-8"?>
 <p:sld xmlns:a="http://schemas.openxmlformats.org/drawingml/2006/main" xmlns:r="http://schemas.openxmlformats.org/officeDocument/2006/relationships" xmlns:p="http://schemas.openxmlformats.org/presentationml/2006/main">
   <p:cSld>
     <p:spTree>
@@ -14077,146 +14735,7 @@
     </p:spTree>
     <p:extLst>
       <p:ext uri="{BB962C8B-B14F-4D97-AF65-F5344CB8AC3E}">
-        <p14:creationId xmlns:p14="http://schemas.microsoft.com/office/powerpoint/2010/main" val="41253819"/>
-      </p:ext>
-    </p:extLst>
-  </p:cSld>
-  <p:clrMapOvr>
-    <a:masterClrMapping/>
-  </p:clrMapOvr>
-</p:sld>
-</file>
-
-<file path=ppt/slides/slide3.xml><?xml version="1.0" encoding="utf-8"?>
-<p:sld xmlns:a="http://schemas.openxmlformats.org/drawingml/2006/main" xmlns:r="http://schemas.openxmlformats.org/officeDocument/2006/relationships" xmlns:p="http://schemas.openxmlformats.org/presentationml/2006/main">
-  <p:cSld>
-    <p:spTree>
-      <p:nvGrpSpPr>
-        <p:cNvPr id="1" name=""/>
-        <p:cNvGrpSpPr/>
-        <p:nvPr/>
-      </p:nvGrpSpPr>
-      <p:grpSpPr>
-        <a:xfrm>
-          <a:off x="0" y="0"/>
-          <a:ext cx="0" cy="0"/>
-          <a:chOff x="0" y="0"/>
-          <a:chExt cx="0" cy="0"/>
-        </a:xfrm>
-      </p:grpSpPr>
-      <p:sp>
-        <p:nvSpPr>
-          <p:cNvPr id="2" name="Título 1">
-            <a:extLst>
-              <a:ext uri="{FF2B5EF4-FFF2-40B4-BE49-F238E27FC236}">
-                <a16:creationId xmlns:a16="http://schemas.microsoft.com/office/drawing/2014/main" id="{37122338-5D14-4DBE-AF24-0F5AED9A480C}"/>
-              </a:ext>
-            </a:extLst>
-          </p:cNvPr>
-          <p:cNvSpPr>
-            <a:spLocks noGrp="1"/>
-          </p:cNvSpPr>
-          <p:nvPr>
-            <p:ph type="title"/>
-          </p:nvPr>
-        </p:nvSpPr>
-        <p:spPr/>
-        <p:txBody>
-          <a:bodyPr>
-            <a:normAutofit/>
-          </a:bodyPr>
-          <a:lstStyle/>
-          <a:p>
-            <a:pPr algn="ctr"/>
-            <a:r>
-              <a:rPr lang="es-ES" sz="5200" b="1" dirty="0"/>
-              <a:t>PASOS REALIZADOS</a:t>
-            </a:r>
-          </a:p>
-        </p:txBody>
-      </p:sp>
-      <p:sp>
-        <p:nvSpPr>
-          <p:cNvPr id="7" name="Marcador de contenido 6">
-            <a:extLst>
-              <a:ext uri="{FF2B5EF4-FFF2-40B4-BE49-F238E27FC236}">
-                <a16:creationId xmlns:a16="http://schemas.microsoft.com/office/drawing/2014/main" id="{39EE22FA-4153-403B-A132-79A346893E91}"/>
-              </a:ext>
-            </a:extLst>
-          </p:cNvPr>
-          <p:cNvSpPr>
-            <a:spLocks noGrp="1"/>
-          </p:cNvSpPr>
-          <p:nvPr>
-            <p:ph idx="1"/>
-          </p:nvPr>
-        </p:nvSpPr>
-        <p:spPr/>
-        <p:txBody>
-          <a:bodyPr>
-            <a:normAutofit/>
-          </a:bodyPr>
-          <a:lstStyle/>
-          <a:p>
-            <a:pPr>
-              <a:spcAft>
-                <a:spcPts val="1800"/>
-              </a:spcAft>
-            </a:pPr>
-            <a:r>
-              <a:rPr lang="es-ES" sz="3200" dirty="0"/>
-              <a:t>Instalación de Docker</a:t>
-            </a:r>
-          </a:p>
-          <a:p>
-            <a:pPr>
-              <a:spcAft>
-                <a:spcPts val="1800"/>
-              </a:spcAft>
-            </a:pPr>
-            <a:r>
-              <a:rPr lang="es-ES" sz="3200" dirty="0"/>
-              <a:t>Creación del fichero </a:t>
-            </a:r>
-            <a:r>
-              <a:rPr lang="es-ES" sz="3200" dirty="0" err="1"/>
-              <a:t>Dockerfile</a:t>
-            </a:r>
-            <a:endParaRPr lang="es-ES" sz="3200" dirty="0"/>
-          </a:p>
-          <a:p>
-            <a:pPr>
-              <a:spcAft>
-                <a:spcPts val="1800"/>
-              </a:spcAft>
-            </a:pPr>
-            <a:r>
-              <a:rPr lang="es-ES" sz="3200" dirty="0"/>
-              <a:t>Instalación de Docker-</a:t>
-            </a:r>
-            <a:r>
-              <a:rPr lang="es-ES" sz="3200" dirty="0" err="1"/>
-              <a:t>Compose</a:t>
-            </a:r>
-            <a:endParaRPr lang="es-ES" sz="3200" dirty="0"/>
-          </a:p>
-          <a:p>
-            <a:pPr>
-              <a:spcAft>
-                <a:spcPts val="1800"/>
-              </a:spcAft>
-            </a:pPr>
-            <a:r>
-              <a:rPr lang="es-ES" sz="3200" dirty="0"/>
-              <a:t>Levantamos el contenedor</a:t>
-            </a:r>
-          </a:p>
-        </p:txBody>
-      </p:sp>
-    </p:spTree>
-    <p:extLst>
-      <p:ext uri="{BB962C8B-B14F-4D97-AF65-F5344CB8AC3E}">
-        <p14:creationId xmlns:p14="http://schemas.microsoft.com/office/powerpoint/2010/main" val="1613156393"/>
+        <p14:creationId xmlns:p14="http://schemas.microsoft.com/office/powerpoint/2010/main" val="2853076152"/>
       </p:ext>
     </p:extLst>
   </p:cSld>
@@ -14302,10 +14821,7 @@
                 <a:spcPts val="1800"/>
               </a:spcAft>
             </a:pPr>
-            <a:r>
-              <a:rPr lang="es-ES" sz="3200" dirty="0"/>
-              <a:t>Instalación de Docker</a:t>
-            </a:r>
+            <a:endParaRPr lang="es-ES" sz="3200" dirty="0"/>
           </a:p>
           <a:p>
             <a:pPr>
@@ -14315,13 +14831,8 @@
             </a:pPr>
             <a:r>
               <a:rPr lang="es-ES" sz="3200" dirty="0"/>
-              <a:t>Creación del fichero </a:t>
-            </a:r>
-            <a:r>
-              <a:rPr lang="es-ES" sz="3200" dirty="0" err="1"/>
-              <a:t>Dockerfile</a:t>
-            </a:r>
-            <a:endParaRPr lang="es-ES" sz="3200" dirty="0"/>
+              <a:t>Instalaciones base</a:t>
+            </a:r>
           </a:p>
           <a:p>
             <a:pPr>
@@ -14331,31 +14842,51 @@
             </a:pPr>
             <a:r>
               <a:rPr lang="es-ES" sz="3200" dirty="0"/>
-              <a:t>Instalación de Docker-</a:t>
-            </a:r>
-            <a:r>
-              <a:rPr lang="es-ES" sz="3200" dirty="0" err="1"/>
-              <a:t>Compose</a:t>
-            </a:r>
-            <a:endParaRPr lang="es-ES" sz="3200" dirty="0"/>
-          </a:p>
-          <a:p>
-            <a:pPr>
-              <a:spcAft>
-                <a:spcPts val="1800"/>
-              </a:spcAft>
-            </a:pPr>
-            <a:r>
-              <a:rPr lang="es-ES" sz="3200" dirty="0"/>
-              <a:t>Levantamos el contenedor</a:t>
+              <a:t>Creación y preparación del contenedor</a:t>
             </a:r>
           </a:p>
         </p:txBody>
       </p:sp>
+      <p:pic>
+        <p:nvPicPr>
+          <p:cNvPr id="13" name="Imagen 12">
+            <a:extLst>
+              <a:ext uri="{FF2B5EF4-FFF2-40B4-BE49-F238E27FC236}">
+                <a16:creationId xmlns:a16="http://schemas.microsoft.com/office/drawing/2014/main" id="{7E162EF7-F92A-4A8D-AD02-B0DB7A08CB1B}"/>
+              </a:ext>
+            </a:extLst>
+          </p:cNvPr>
+          <p:cNvPicPr>
+            <a:picLocks noChangeAspect="1"/>
+          </p:cNvPicPr>
+          <p:nvPr/>
+        </p:nvPicPr>
+        <p:blipFill>
+          <a:blip r:embed="rId2">
+            <a:extLst>
+              <a:ext uri="{28A0092B-C50C-407E-A947-70E740481C1C}">
+                <a14:useLocalDpi xmlns:a14="http://schemas.microsoft.com/office/drawing/2010/main" val="0"/>
+              </a:ext>
+            </a:extLst>
+          </a:blip>
+          <a:stretch>
+            <a:fillRect/>
+          </a:stretch>
+        </p:blipFill>
+        <p:spPr>
+          <a:xfrm>
+            <a:off x="8579518" y="2000881"/>
+            <a:ext cx="2467893" cy="2438973"/>
+          </a:xfrm>
+          <a:prstGeom prst="rect">
+            <a:avLst/>
+          </a:prstGeom>
+        </p:spPr>
+      </p:pic>
     </p:spTree>
     <p:extLst>
       <p:ext uri="{BB962C8B-B14F-4D97-AF65-F5344CB8AC3E}">
-        <p14:creationId xmlns:p14="http://schemas.microsoft.com/office/powerpoint/2010/main" val="469754947"/>
+        <p14:creationId xmlns:p14="http://schemas.microsoft.com/office/powerpoint/2010/main" val="1613156393"/>
       </p:ext>
     </p:extLst>
   </p:cSld>
@@ -14401,57 +14932,110 @@
         <p:spPr/>
         <p:txBody>
           <a:bodyPr>
-            <a:normAutofit fontScale="90000"/>
+            <a:normAutofit/>
           </a:bodyPr>
           <a:lstStyle/>
           <a:p>
             <a:pPr algn="ctr"/>
             <a:r>
               <a:rPr lang="es-ES" sz="5200" b="1" dirty="0"/>
-              <a:t>Dificultades encontradas: </a:t>
-            </a:r>
-            <a:r>
-              <a:rPr lang="es-ES" sz="5200" b="1" dirty="0" err="1"/>
-              <a:t>Dockerfile</a:t>
-            </a:r>
-            <a:endParaRPr lang="es-ES" sz="5200" b="1" dirty="0"/>
+              <a:t>PASOS REALIZADOS</a:t>
+            </a:r>
           </a:p>
         </p:txBody>
       </p:sp>
-      <p:pic>
-        <p:nvPicPr>
-          <p:cNvPr id="5" name="Imagen 4">
+      <p:sp>
+        <p:nvSpPr>
+          <p:cNvPr id="7" name="Marcador de contenido 6">
             <a:extLst>
               <a:ext uri="{FF2B5EF4-FFF2-40B4-BE49-F238E27FC236}">
-                <a16:creationId xmlns:a16="http://schemas.microsoft.com/office/drawing/2014/main" id="{FB1C4B04-CD50-4C9C-8D6F-DB6977E8A6C5}"/>
+                <a16:creationId xmlns:a16="http://schemas.microsoft.com/office/drawing/2014/main" id="{39EE22FA-4153-403B-A132-79A346893E91}"/>
               </a:ext>
             </a:extLst>
           </p:cNvPr>
-          <p:cNvPicPr>
-            <a:picLocks noChangeAspect="1"/>
-          </p:cNvPicPr>
-          <p:nvPr/>
-        </p:nvPicPr>
-        <p:blipFill>
-          <a:blip r:embed="rId2"/>
-          <a:stretch>
-            <a:fillRect/>
-          </a:stretch>
-        </p:blipFill>
-        <p:spPr>
-          <a:xfrm>
-            <a:off x="1885836" y="2672887"/>
-            <a:ext cx="8420328" cy="2929813"/>
-          </a:xfrm>
-          <a:prstGeom prst="rect">
-            <a:avLst/>
-          </a:prstGeom>
-        </p:spPr>
-      </p:pic>
+          <p:cNvSpPr>
+            <a:spLocks noGrp="1"/>
+          </p:cNvSpPr>
+          <p:nvPr>
+            <p:ph idx="1"/>
+          </p:nvPr>
+        </p:nvSpPr>
+        <p:spPr/>
+        <p:txBody>
+          <a:bodyPr>
+            <a:normAutofit/>
+          </a:bodyPr>
+          <a:lstStyle/>
+          <a:p>
+            <a:pPr>
+              <a:spcAft>
+                <a:spcPts val="1800"/>
+              </a:spcAft>
+            </a:pPr>
+            <a:r>
+              <a:rPr lang="es-ES" sz="3200" dirty="0"/>
+              <a:t>Pruebas con </a:t>
+            </a:r>
+            <a:r>
+              <a:rPr lang="es-ES" sz="3200" dirty="0" err="1"/>
+              <a:t>PyJokes</a:t>
+            </a:r>
+            <a:endParaRPr lang="es-ES" sz="3200" dirty="0"/>
+          </a:p>
+          <a:p>
+            <a:pPr>
+              <a:spcAft>
+                <a:spcPts val="1800"/>
+              </a:spcAft>
+            </a:pPr>
+            <a:r>
+              <a:rPr lang="es-ES" sz="3200" dirty="0"/>
+              <a:t>Creación del </a:t>
+            </a:r>
+            <a:r>
+              <a:rPr lang="es-ES" sz="3200" dirty="0" err="1"/>
+              <a:t>DockerFile</a:t>
+            </a:r>
+            <a:endParaRPr lang="es-ES" sz="3200" dirty="0"/>
+          </a:p>
+          <a:p>
+            <a:pPr>
+              <a:spcAft>
+                <a:spcPts val="1800"/>
+              </a:spcAft>
+            </a:pPr>
+            <a:r>
+              <a:rPr lang="es-ES" sz="3200" dirty="0"/>
+              <a:t>Subida de la imagen a </a:t>
+            </a:r>
+            <a:r>
+              <a:rPr lang="es-ES" sz="3200" dirty="0" err="1"/>
+              <a:t>DockerHub</a:t>
+            </a:r>
+            <a:endParaRPr lang="es-ES" sz="3200" dirty="0"/>
+          </a:p>
+          <a:p>
+            <a:pPr>
+              <a:spcAft>
+                <a:spcPts val="1800"/>
+              </a:spcAft>
+            </a:pPr>
+            <a:r>
+              <a:rPr lang="es-ES" sz="3200" dirty="0"/>
+              <a:t>Creación del Docker-</a:t>
+            </a:r>
+            <a:r>
+              <a:rPr lang="es-ES" sz="3200" dirty="0" err="1"/>
+              <a:t>Compose</a:t>
+            </a:r>
+            <a:endParaRPr lang="es-ES" sz="3200" dirty="0"/>
+          </a:p>
+        </p:txBody>
+      </p:sp>
     </p:spTree>
     <p:extLst>
       <p:ext uri="{BB962C8B-B14F-4D97-AF65-F5344CB8AC3E}">
-        <p14:creationId xmlns:p14="http://schemas.microsoft.com/office/powerpoint/2010/main" val="110006928"/>
+        <p14:creationId xmlns:p14="http://schemas.microsoft.com/office/powerpoint/2010/main" val="3790487124"/>
       </p:ext>
     </p:extLst>
   </p:cSld>
@@ -14511,6 +15095,105 @@
               <a:t>Dockerfile</a:t>
             </a:r>
             <a:endParaRPr lang="es-ES" sz="5200" b="1" dirty="0"/>
+          </a:p>
+        </p:txBody>
+      </p:sp>
+      <p:pic>
+        <p:nvPicPr>
+          <p:cNvPr id="5" name="Imagen 4">
+            <a:extLst>
+              <a:ext uri="{FF2B5EF4-FFF2-40B4-BE49-F238E27FC236}">
+                <a16:creationId xmlns:a16="http://schemas.microsoft.com/office/drawing/2014/main" id="{FB1C4B04-CD50-4C9C-8D6F-DB6977E8A6C5}"/>
+              </a:ext>
+            </a:extLst>
+          </p:cNvPr>
+          <p:cNvPicPr>
+            <a:picLocks noChangeAspect="1"/>
+          </p:cNvPicPr>
+          <p:nvPr/>
+        </p:nvPicPr>
+        <p:blipFill>
+          <a:blip r:embed="rId2"/>
+          <a:stretch>
+            <a:fillRect/>
+          </a:stretch>
+        </p:blipFill>
+        <p:spPr>
+          <a:xfrm>
+            <a:off x="1885836" y="2672887"/>
+            <a:ext cx="8420328" cy="2929813"/>
+          </a:xfrm>
+          <a:prstGeom prst="rect">
+            <a:avLst/>
+          </a:prstGeom>
+        </p:spPr>
+      </p:pic>
+    </p:spTree>
+    <p:extLst>
+      <p:ext uri="{BB962C8B-B14F-4D97-AF65-F5344CB8AC3E}">
+        <p14:creationId xmlns:p14="http://schemas.microsoft.com/office/powerpoint/2010/main" val="110006928"/>
+      </p:ext>
+    </p:extLst>
+  </p:cSld>
+  <p:clrMapOvr>
+    <a:masterClrMapping/>
+  </p:clrMapOvr>
+</p:sld>
+</file>
+
+<file path=ppt/slides/slide7.xml><?xml version="1.0" encoding="utf-8"?>
+<p:sld xmlns:a="http://schemas.openxmlformats.org/drawingml/2006/main" xmlns:r="http://schemas.openxmlformats.org/officeDocument/2006/relationships" xmlns:p="http://schemas.openxmlformats.org/presentationml/2006/main">
+  <p:cSld>
+    <p:spTree>
+      <p:nvGrpSpPr>
+        <p:cNvPr id="1" name=""/>
+        <p:cNvGrpSpPr/>
+        <p:nvPr/>
+      </p:nvGrpSpPr>
+      <p:grpSpPr>
+        <a:xfrm>
+          <a:off x="0" y="0"/>
+          <a:ext cx="0" cy="0"/>
+          <a:chOff x="0" y="0"/>
+          <a:chExt cx="0" cy="0"/>
+        </a:xfrm>
+      </p:grpSpPr>
+      <p:sp>
+        <p:nvSpPr>
+          <p:cNvPr id="2" name="Título 1">
+            <a:extLst>
+              <a:ext uri="{FF2B5EF4-FFF2-40B4-BE49-F238E27FC236}">
+                <a16:creationId xmlns:a16="http://schemas.microsoft.com/office/drawing/2014/main" id="{37122338-5D14-4DBE-AF24-0F5AED9A480C}"/>
+              </a:ext>
+            </a:extLst>
+          </p:cNvPr>
+          <p:cNvSpPr>
+            <a:spLocks noGrp="1"/>
+          </p:cNvSpPr>
+          <p:nvPr>
+            <p:ph type="title"/>
+          </p:nvPr>
+        </p:nvSpPr>
+        <p:spPr/>
+        <p:txBody>
+          <a:bodyPr>
+            <a:normAutofit fontScale="90000"/>
+          </a:bodyPr>
+          <a:lstStyle/>
+          <a:p>
+            <a:pPr algn="ctr"/>
+            <a:r>
+              <a:rPr lang="es-ES" sz="5200" b="1" dirty="0"/>
+              <a:t>Dificultades encontradas: </a:t>
+            </a:r>
+            <a:r>
+              <a:rPr lang="es-ES" sz="5200" b="1" dirty="0" err="1"/>
+              <a:t>Dockerfile</a:t>
+            </a:r>
+            <a:r>
+              <a:rPr lang="es-ES" sz="5200" b="1" dirty="0"/>
+              <a:t> - Solución</a:t>
+            </a:r>
           </a:p>
         </p:txBody>
       </p:sp>
@@ -14563,102 +15246,6 @@
 </p:sld>
 </file>
 
-<file path=ppt/slides/slide7.xml><?xml version="1.0" encoding="utf-8"?>
-<p:sld xmlns:a="http://schemas.openxmlformats.org/drawingml/2006/main" xmlns:r="http://schemas.openxmlformats.org/officeDocument/2006/relationships" xmlns:p="http://schemas.openxmlformats.org/presentationml/2006/main">
-  <p:cSld>
-    <p:spTree>
-      <p:nvGrpSpPr>
-        <p:cNvPr id="1" name=""/>
-        <p:cNvGrpSpPr/>
-        <p:nvPr/>
-      </p:nvGrpSpPr>
-      <p:grpSpPr>
-        <a:xfrm>
-          <a:off x="0" y="0"/>
-          <a:ext cx="0" cy="0"/>
-          <a:chOff x="0" y="0"/>
-          <a:chExt cx="0" cy="0"/>
-        </a:xfrm>
-      </p:grpSpPr>
-      <p:sp>
-        <p:nvSpPr>
-          <p:cNvPr id="2" name="Título 1">
-            <a:extLst>
-              <a:ext uri="{FF2B5EF4-FFF2-40B4-BE49-F238E27FC236}">
-                <a16:creationId xmlns:a16="http://schemas.microsoft.com/office/drawing/2014/main" id="{37122338-5D14-4DBE-AF24-0F5AED9A480C}"/>
-              </a:ext>
-            </a:extLst>
-          </p:cNvPr>
-          <p:cNvSpPr>
-            <a:spLocks noGrp="1"/>
-          </p:cNvSpPr>
-          <p:nvPr>
-            <p:ph type="title"/>
-          </p:nvPr>
-        </p:nvSpPr>
-        <p:spPr/>
-        <p:txBody>
-          <a:bodyPr>
-            <a:normAutofit fontScale="90000"/>
-          </a:bodyPr>
-          <a:lstStyle/>
-          <a:p>
-            <a:pPr algn="ctr"/>
-            <a:r>
-              <a:rPr lang="es-ES" sz="5200" b="1" dirty="0"/>
-              <a:t>Dificultades encontradas: Docker </a:t>
-            </a:r>
-            <a:r>
-              <a:rPr lang="es-ES" sz="5200" b="1" dirty="0" err="1"/>
-              <a:t>compose</a:t>
-            </a:r>
-            <a:endParaRPr lang="es-ES" sz="5200" b="1" dirty="0"/>
-          </a:p>
-        </p:txBody>
-      </p:sp>
-      <p:pic>
-        <p:nvPicPr>
-          <p:cNvPr id="5" name="Imagen 4">
-            <a:extLst>
-              <a:ext uri="{FF2B5EF4-FFF2-40B4-BE49-F238E27FC236}">
-                <a16:creationId xmlns:a16="http://schemas.microsoft.com/office/drawing/2014/main" id="{FB1C4B04-CD50-4C9C-8D6F-DB6977E8A6C5}"/>
-              </a:ext>
-            </a:extLst>
-          </p:cNvPr>
-          <p:cNvPicPr>
-            <a:picLocks noChangeAspect="1"/>
-          </p:cNvPicPr>
-          <p:nvPr/>
-        </p:nvPicPr>
-        <p:blipFill>
-          <a:blip r:embed="rId2"/>
-          <a:stretch>
-            <a:fillRect/>
-          </a:stretch>
-        </p:blipFill>
-        <p:spPr>
-          <a:xfrm>
-            <a:off x="3099275" y="3503645"/>
-            <a:ext cx="5993449" cy="2085392"/>
-          </a:xfrm>
-          <a:prstGeom prst="rect">
-            <a:avLst/>
-          </a:prstGeom>
-        </p:spPr>
-      </p:pic>
-    </p:spTree>
-    <p:extLst>
-      <p:ext uri="{BB962C8B-B14F-4D97-AF65-F5344CB8AC3E}">
-        <p14:creationId xmlns:p14="http://schemas.microsoft.com/office/powerpoint/2010/main" val="2088965939"/>
-      </p:ext>
-    </p:extLst>
-  </p:cSld>
-  <p:clrMapOvr>
-    <a:masterClrMapping/>
-  </p:clrMapOvr>
-</p:sld>
-</file>
-
 <file path=ppt/slides/slide8.xml><?xml version="1.0" encoding="utf-8"?>
 <p:sld xmlns:a="http://schemas.openxmlformats.org/drawingml/2006/main" xmlns:r="http://schemas.openxmlformats.org/officeDocument/2006/relationships" xmlns:p="http://schemas.openxmlformats.org/presentationml/2006/main">
   <p:cSld>
@@ -14702,28 +15289,50 @@
             <a:pPr algn="ctr"/>
             <a:r>
               <a:rPr lang="es-ES" sz="5200" b="1" dirty="0"/>
-              <a:t>Dificultades encontradas: Docker </a:t>
+              <a:t>Dificultades encontradas: Docker-</a:t>
             </a:r>
             <a:r>
               <a:rPr lang="es-ES" sz="5200" b="1" dirty="0" err="1"/>
               <a:t>compose</a:t>
             </a:r>
-            <a:r>
-              <a:rPr lang="es-ES" sz="5200" b="1" dirty="0"/>
-              <a:t> - </a:t>
-            </a:r>
-            <a:r>
-              <a:rPr lang="es-ES" sz="5200" b="1" dirty="0" err="1"/>
-              <a:t>solucion</a:t>
-            </a:r>
             <a:endParaRPr lang="es-ES" sz="5200" b="1" dirty="0"/>
           </a:p>
         </p:txBody>
       </p:sp>
+      <p:pic>
+        <p:nvPicPr>
+          <p:cNvPr id="4" name="Imagen 3">
+            <a:extLst>
+              <a:ext uri="{FF2B5EF4-FFF2-40B4-BE49-F238E27FC236}">
+                <a16:creationId xmlns:a16="http://schemas.microsoft.com/office/drawing/2014/main" id="{F412C38A-2271-4032-83FE-F44DFB5B9663}"/>
+              </a:ext>
+            </a:extLst>
+          </p:cNvPr>
+          <p:cNvPicPr>
+            <a:picLocks noChangeAspect="1"/>
+          </p:cNvPicPr>
+          <p:nvPr/>
+        </p:nvPicPr>
+        <p:blipFill>
+          <a:blip r:embed="rId2"/>
+          <a:stretch>
+            <a:fillRect/>
+          </a:stretch>
+        </p:blipFill>
+        <p:spPr>
+          <a:xfrm>
+            <a:off x="3411509" y="3041780"/>
+            <a:ext cx="5368982" cy="2027561"/>
+          </a:xfrm>
+          <a:prstGeom prst="rect">
+            <a:avLst/>
+          </a:prstGeom>
+        </p:spPr>
+      </p:pic>
     </p:spTree>
     <p:extLst>
       <p:ext uri="{BB962C8B-B14F-4D97-AF65-F5344CB8AC3E}">
-        <p14:creationId xmlns:p14="http://schemas.microsoft.com/office/powerpoint/2010/main" val="1649135853"/>
+        <p14:creationId xmlns:p14="http://schemas.microsoft.com/office/powerpoint/2010/main" val="2088965939"/>
       </p:ext>
     </p:extLst>
   </p:cSld>
@@ -14776,65 +15385,58 @@
             <a:pPr algn="ctr"/>
             <a:r>
               <a:rPr lang="es-ES" sz="5200" b="1" dirty="0"/>
-              <a:t>Dificultades encontradas: Máquina virtual</a:t>
-            </a:r>
+              <a:t>Dificultades encontradas: Docker </a:t>
+            </a:r>
+            <a:r>
+              <a:rPr lang="es-ES" sz="5200" b="1" dirty="0" err="1"/>
+              <a:t>compose</a:t>
+            </a:r>
+            <a:r>
+              <a:rPr lang="es-ES" sz="5200" b="1" dirty="0"/>
+              <a:t> - </a:t>
+            </a:r>
+            <a:r>
+              <a:rPr lang="es-ES" sz="5200" b="1" dirty="0" err="1"/>
+              <a:t>solucion</a:t>
+            </a:r>
+            <a:endParaRPr lang="es-ES" sz="5200" b="1" dirty="0"/>
           </a:p>
         </p:txBody>
       </p:sp>
-      <p:sp>
-        <p:nvSpPr>
-          <p:cNvPr id="4" name="Marcador de contenido 6">
+      <p:pic>
+        <p:nvPicPr>
+          <p:cNvPr id="4" name="Imagen 3">
             <a:extLst>
               <a:ext uri="{FF2B5EF4-FFF2-40B4-BE49-F238E27FC236}">
-                <a16:creationId xmlns:a16="http://schemas.microsoft.com/office/drawing/2014/main" id="{577453BA-CBEB-4805-B53E-8ABD3E62A7AD}"/>
+                <a16:creationId xmlns:a16="http://schemas.microsoft.com/office/drawing/2014/main" id="{1B8825AC-2D0C-476B-8C70-16829BEEAC20}"/>
               </a:ext>
             </a:extLst>
           </p:cNvPr>
-          <p:cNvSpPr>
-            <a:spLocks noGrp="1"/>
-          </p:cNvSpPr>
-          <p:nvPr>
-            <p:ph idx="1"/>
-          </p:nvPr>
-        </p:nvSpPr>
+          <p:cNvPicPr>
+            <a:picLocks noChangeAspect="1"/>
+          </p:cNvPicPr>
+          <p:nvPr/>
+        </p:nvPicPr>
+        <p:blipFill>
+          <a:blip r:embed="rId2"/>
+          <a:stretch>
+            <a:fillRect/>
+          </a:stretch>
+        </p:blipFill>
         <p:spPr>
           <a:xfrm>
-            <a:off x="1141412" y="2249487"/>
-            <a:ext cx="9905999" cy="3541714"/>
+            <a:off x="3373955" y="2917564"/>
+            <a:ext cx="5444089" cy="2932729"/>
           </a:xfrm>
+          <a:prstGeom prst="rect">
+            <a:avLst/>
+          </a:prstGeom>
         </p:spPr>
-        <p:txBody>
-          <a:bodyPr>
-            <a:normAutofit/>
-          </a:bodyPr>
-          <a:lstStyle/>
-          <a:p>
-            <a:endParaRPr lang="es-ES" sz="3200" dirty="0"/>
-          </a:p>
-          <a:p>
-            <a:r>
-              <a:rPr lang="es-ES" sz="3200" dirty="0"/>
-              <a:t>Bloqueo de máquina virtual</a:t>
-            </a:r>
-          </a:p>
-          <a:p>
-            <a:pPr marL="0" indent="0">
-              <a:buNone/>
-            </a:pPr>
-            <a:endParaRPr lang="es-ES" sz="3200" dirty="0"/>
-          </a:p>
-          <a:p>
-            <a:r>
-              <a:rPr lang="es-ES" sz="3200" dirty="0"/>
-              <a:t>Pérdida de tiempo con las restauraciones</a:t>
-            </a:r>
-          </a:p>
-        </p:txBody>
-      </p:sp>
+      </p:pic>
     </p:spTree>
     <p:extLst>
       <p:ext uri="{BB962C8B-B14F-4D97-AF65-F5344CB8AC3E}">
-        <p14:creationId xmlns:p14="http://schemas.microsoft.com/office/powerpoint/2010/main" val="3938551390"/>
+        <p14:creationId xmlns:p14="http://schemas.microsoft.com/office/powerpoint/2010/main" val="1649135853"/>
       </p:ext>
     </p:extLst>
   </p:cSld>
